--- a/文档/汇报ppt/6.6汇报.pptx
+++ b/文档/汇报ppt/6.6汇报.pptx
@@ -2667,7 +2667,7 @@
           <a:graphicData uri="http://schemas.openxmlformats.org/presentationml/2006/ole">
             <mc:AlternateContent xmlns:mc="http://schemas.openxmlformats.org/markup-compatibility/2006">
               <mc:Choice xmlns:v="urn:schemas-microsoft-com:vml" Requires="v">
-                <p:oleObj spid="_x0000_s1037" name="think-cell Slide" r:id="rId5" imgW="347" imgH="348" progId="TCLayout.ActiveDocument.1">
+                <p:oleObj spid="_x0000_s1038" name="think-cell Slide" r:id="rId5" imgW="347" imgH="348" progId="TCLayout.ActiveDocument.1">
                   <p:embed/>
                 </p:oleObj>
               </mc:Choice>
@@ -3782,7 +3782,7 @@
           <a:graphicData uri="http://schemas.openxmlformats.org/presentationml/2006/ole">
             <mc:AlternateContent xmlns:mc="http://schemas.openxmlformats.org/markup-compatibility/2006">
               <mc:Choice xmlns:v="urn:schemas-microsoft-com:vml" Requires="v">
-                <p:oleObj spid="_x0000_s3086" name="think-cell Slide" r:id="rId5" imgW="347" imgH="348" progId="TCLayout.ActiveDocument.1">
+                <p:oleObj spid="_x0000_s3087" name="think-cell Slide" r:id="rId5" imgW="347" imgH="348" progId="TCLayout.ActiveDocument.1">
                   <p:embed/>
                 </p:oleObj>
               </mc:Choice>
@@ -5078,7 +5078,7 @@
           <a:graphicData uri="http://schemas.openxmlformats.org/presentationml/2006/ole">
             <mc:AlternateContent xmlns:mc="http://schemas.openxmlformats.org/markup-compatibility/2006">
               <mc:Choice xmlns:v="urn:schemas-microsoft-com:vml" Requires="v">
-                <p:oleObj spid="_x0000_s4099" name="think-cell Slide" r:id="rId4" imgW="347" imgH="348" progId="TCLayout.ActiveDocument.1">
+                <p:oleObj spid="_x0000_s4100" name="think-cell Slide" r:id="rId4" imgW="347" imgH="348" progId="TCLayout.ActiveDocument.1">
                   <p:embed/>
                 </p:oleObj>
               </mc:Choice>
@@ -6124,7 +6124,7 @@
         <p:spPr>
           <a:xfrm>
             <a:off x="3380372" y="1073584"/>
-            <a:ext cx="6096000" cy="5324535"/>
+            <a:ext cx="6096000" cy="4708981"/>
           </a:xfrm>
           <a:prstGeom prst="rect">
             <a:avLst/>
@@ -6139,10 +6139,98 @@
           <a:p>
             <a:pPr algn="l"/>
             <a:r>
-              <a:rPr lang="zh-CN" altLang="en-US" sz="2000"/>
+              <a:rPr lang="zh-CN" altLang="en-US" sz="2000" dirty="0"/>
+              <a:t>进度汇总</a:t>
+            </a:r>
+            <a:endParaRPr lang="en-US" altLang="zh-CN" sz="2000" dirty="0"/>
+          </a:p>
+          <a:p>
+            <a:pPr marL="342900" indent="-342900" algn="l">
+              <a:buFont typeface="Arial" panose="020B0604020202020204" pitchFamily="34" charset="0"/>
+              <a:buChar char="•"/>
+            </a:pPr>
+            <a:r>
+              <a:rPr lang="en-US" altLang="zh-CN" sz="2000" dirty="0"/>
+              <a:t>4.11</a:t>
+            </a:r>
+          </a:p>
+          <a:p>
+            <a:pPr marL="342900" indent="-342900" algn="l">
+              <a:buFont typeface="Arial" panose="020B0604020202020204" pitchFamily="34" charset="0"/>
+              <a:buChar char="•"/>
+            </a:pPr>
+            <a:r>
+              <a:rPr lang="en-US" altLang="zh-CN" sz="2000" dirty="0"/>
+              <a:t>4.18</a:t>
+            </a:r>
+          </a:p>
+          <a:p>
+            <a:pPr marL="342900" indent="-342900" algn="l">
+              <a:buFont typeface="Arial" panose="020B0604020202020204" pitchFamily="34" charset="0"/>
+              <a:buChar char="•"/>
+            </a:pPr>
+            <a:r>
+              <a:rPr lang="en-US" altLang="zh-CN" sz="2000" dirty="0"/>
+              <a:t>4.25</a:t>
+            </a:r>
+          </a:p>
+          <a:p>
+            <a:pPr marL="342900" indent="-342900" algn="l">
+              <a:buFont typeface="Arial" panose="020B0604020202020204" pitchFamily="34" charset="0"/>
+              <a:buChar char="•"/>
+            </a:pPr>
+            <a:r>
+              <a:rPr lang="en-US" altLang="zh-CN" sz="2000" dirty="0"/>
+              <a:t>5.3</a:t>
+            </a:r>
+          </a:p>
+          <a:p>
+            <a:pPr marL="342900" indent="-342900" algn="l">
+              <a:buFont typeface="Arial" panose="020B0604020202020204" pitchFamily="34" charset="0"/>
+              <a:buChar char="•"/>
+            </a:pPr>
+            <a:r>
+              <a:rPr lang="en-US" altLang="zh-CN" sz="2000" dirty="0"/>
+              <a:t>5.9</a:t>
+            </a:r>
+          </a:p>
+          <a:p>
+            <a:pPr marL="342900" indent="-342900" algn="l">
+              <a:buFont typeface="Arial" panose="020B0604020202020204" pitchFamily="34" charset="0"/>
+              <a:buChar char="•"/>
+            </a:pPr>
+            <a:r>
+              <a:rPr lang="en-US" altLang="zh-CN" sz="2000" dirty="0"/>
+              <a:t>5.16</a:t>
+            </a:r>
+          </a:p>
+          <a:p>
+            <a:pPr marL="342900" indent="-342900" algn="l">
+              <a:buFont typeface="Arial" panose="020B0604020202020204" pitchFamily="34" charset="0"/>
+              <a:buChar char="•"/>
+            </a:pPr>
+            <a:r>
+              <a:rPr lang="en-US" altLang="zh-CN" sz="2000" dirty="0"/>
+              <a:t>5.23</a:t>
+            </a:r>
+          </a:p>
+          <a:p>
+            <a:pPr marL="342900" indent="-342900" algn="l">
+              <a:buFont typeface="Arial" panose="020B0604020202020204" pitchFamily="34" charset="0"/>
+              <a:buChar char="•"/>
+            </a:pPr>
+            <a:r>
+              <a:rPr lang="en-US" altLang="zh-CN" sz="2000"/>
+              <a:t>5.30</a:t>
+            </a:r>
+            <a:endParaRPr lang="en-US" altLang="zh-CN" sz="2000" dirty="0"/>
+          </a:p>
+          <a:p>
+            <a:pPr algn="l"/>
+            <a:r>
+              <a:rPr lang="zh-CN" altLang="en-US" sz="2000" dirty="0"/>
               <a:t>上周完成进度：</a:t>
             </a:r>
-            <a:endParaRPr lang="en-US" altLang="zh-CN" sz="2000"/>
           </a:p>
           <a:p>
             <a:pPr marL="342900" indent="-342900" algn="l">
@@ -6150,205 +6238,73 @@
               <a:buChar char="•"/>
             </a:pPr>
             <a:r>
-              <a:rPr lang="zh-CN" altLang="en-US" sz="2000"/>
-              <a:t>需求：</a:t>
-            </a:r>
-            <a:endParaRPr lang="en-US" altLang="zh-CN" sz="2000"/>
-          </a:p>
-          <a:p>
-            <a:pPr marL="800100" lvl="1" indent="-342900" algn="l">
+              <a:rPr lang="zh-CN" altLang="en-US" sz="2000" dirty="0"/>
+              <a:t>文档：</a:t>
+            </a:r>
+            <a:endParaRPr lang="en-US" altLang="zh-CN" sz="2000" dirty="0"/>
+          </a:p>
+          <a:p>
+            <a:pPr marL="800100" lvl="1" indent="-342900">
               <a:buFont typeface="Arial" panose="020B0604020202020204" pitchFamily="34" charset="0"/>
               <a:buChar char="•"/>
             </a:pPr>
             <a:r>
-              <a:rPr lang="zh-CN" altLang="en-US" sz="2000"/>
-              <a:t>数据表定义与生成（用户、委托、合同、样品等）</a:t>
-            </a:r>
-            <a:endParaRPr lang="en-US" altLang="zh-CN" sz="2000"/>
-          </a:p>
-          <a:p>
-            <a:pPr marL="800100" lvl="1" indent="-342900" algn="l">
+              <a:rPr lang="zh-CN" altLang="en-US" sz="2000" dirty="0"/>
+              <a:t>需求规格说明书（</a:t>
+            </a:r>
+            <a:r>
+              <a:rPr lang="en-US" altLang="zh-CN" sz="2000" dirty="0"/>
+              <a:t>V2.0</a:t>
+            </a:r>
+            <a:r>
+              <a:rPr lang="zh-CN" altLang="en-US" sz="2000" dirty="0"/>
+              <a:t>）</a:t>
+            </a:r>
+            <a:endParaRPr lang="en-US" altLang="zh-CN" sz="2000" dirty="0"/>
+          </a:p>
+          <a:p>
+            <a:pPr marL="800100" lvl="1" indent="-342900">
               <a:buFont typeface="Arial" panose="020B0604020202020204" pitchFamily="34" charset="0"/>
               <a:buChar char="•"/>
             </a:pPr>
             <a:r>
-              <a:rPr lang="zh-CN" altLang="en-US" sz="2000"/>
-              <a:t>与</a:t>
-            </a:r>
-            <a:r>
-              <a:rPr lang="en-US" altLang="zh-CN" sz="2000"/>
-              <a:t>E</a:t>
-            </a:r>
-            <a:r>
-              <a:rPr lang="zh-CN" altLang="en-US" sz="2000"/>
-              <a:t>组前端对接</a:t>
-            </a:r>
-            <a:endParaRPr lang="en-US" altLang="zh-CN" sz="2000"/>
-          </a:p>
-          <a:p>
-            <a:pPr marL="1257300" lvl="2" indent="-342900" algn="l">
+              <a:rPr lang="zh-CN" altLang="en-US" sz="2000" dirty="0"/>
+              <a:t>设计说明书</a:t>
+            </a:r>
+            <a:endParaRPr lang="en-US" altLang="zh-CN" sz="2000" dirty="0"/>
+          </a:p>
+          <a:p>
+            <a:pPr marL="800100" lvl="1" indent="-342900">
               <a:buFont typeface="Arial" panose="020B0604020202020204" pitchFamily="34" charset="0"/>
               <a:buChar char="•"/>
             </a:pPr>
             <a:r>
-              <a:rPr lang="en-US" altLang="zh-CN" sz="2000"/>
-              <a:t>RBAC</a:t>
-            </a:r>
-            <a:r>
-              <a:rPr lang="zh-CN" altLang="en-US" sz="2000"/>
-              <a:t>模式进⾏权限管理 （用户</a:t>
-            </a:r>
-            <a:r>
-              <a:rPr lang="en-US" altLang="zh-CN" sz="2000"/>
-              <a:t>-</a:t>
-            </a:r>
-            <a:r>
-              <a:rPr lang="zh-CN" altLang="en-US" sz="2000"/>
-              <a:t>角色</a:t>
-            </a:r>
-            <a:r>
-              <a:rPr lang="en-US" altLang="zh-CN" sz="2000"/>
-              <a:t>-</a:t>
-            </a:r>
-            <a:r>
-              <a:rPr lang="zh-CN" altLang="en-US" sz="2000"/>
-              <a:t>权限）</a:t>
-            </a:r>
-            <a:endParaRPr lang="en-US" altLang="zh-CN" sz="2000"/>
-          </a:p>
-          <a:p>
-            <a:pPr marL="1257300" lvl="2" indent="-342900" algn="l">
+              <a:rPr lang="zh-CN" altLang="en-US" sz="2000" dirty="0"/>
+              <a:t>测试报告</a:t>
+            </a:r>
+            <a:endParaRPr lang="en-US" altLang="zh-CN" sz="2000" dirty="0"/>
+          </a:p>
+          <a:p>
+            <a:pPr marL="800100" lvl="1" indent="-342900">
               <a:buFont typeface="Arial" panose="020B0604020202020204" pitchFamily="34" charset="0"/>
               <a:buChar char="•"/>
             </a:pPr>
             <a:r>
-              <a:rPr lang="zh-CN" altLang="en-US" sz="2000"/>
-              <a:t>菜单数据格式</a:t>
-            </a:r>
-            <a:endParaRPr lang="en-US" altLang="zh-CN" sz="2000"/>
-          </a:p>
-          <a:p>
-            <a:pPr marL="1257300" lvl="2" indent="-342900" algn="l">
-              <a:buFont typeface="Arial" panose="020B0604020202020204" pitchFamily="34" charset="0"/>
-              <a:buChar char="•"/>
-            </a:pPr>
-            <a:r>
-              <a:rPr lang="zh-CN" altLang="en-US" sz="2000"/>
-              <a:t>认证和接口格式</a:t>
-            </a:r>
-            <a:endParaRPr lang="en-US" altLang="zh-CN" sz="2000"/>
-          </a:p>
-          <a:p>
-            <a:pPr marL="800100" lvl="1" indent="-342900" algn="l">
-              <a:buFont typeface="Arial" panose="020B0604020202020204" pitchFamily="34" charset="0"/>
-              <a:buChar char="•"/>
-            </a:pPr>
-            <a:r>
-              <a:rPr lang="zh-CN" altLang="en-US" sz="2000"/>
-              <a:t>菜单组件生成</a:t>
-            </a:r>
-            <a:endParaRPr lang="en-US" altLang="zh-CN" sz="2000"/>
-          </a:p>
-          <a:p>
-            <a:pPr marL="1257300" lvl="2" indent="-342900" algn="l">
-              <a:buFont typeface="Arial" panose="020B0604020202020204" pitchFamily="34" charset="0"/>
-              <a:buChar char="•"/>
-            </a:pPr>
-            <a:r>
-              <a:rPr lang="zh-CN" altLang="en-US" sz="2000"/>
-              <a:t>菜单组件</a:t>
-            </a:r>
-            <a:r>
-              <a:rPr lang="en-US" altLang="zh-CN" sz="2000"/>
-              <a:t>1.1.md </a:t>
-            </a:r>
-            <a:r>
-              <a:rPr lang="zh-CN" altLang="en-US" sz="2000"/>
-              <a:t>（所有菜单组件）</a:t>
-            </a:r>
-            <a:endParaRPr lang="en-US" altLang="zh-CN" sz="2000"/>
-          </a:p>
-          <a:p>
-            <a:pPr marL="1257300" lvl="2" indent="-342900" algn="l">
-              <a:buFont typeface="Arial" panose="020B0604020202020204" pitchFamily="34" charset="0"/>
-              <a:buChar char="•"/>
-            </a:pPr>
-            <a:r>
-              <a:rPr lang="zh-CN" altLang="en-US" sz="2000"/>
-              <a:t>角色菜单</a:t>
-            </a:r>
-            <a:r>
-              <a:rPr lang="en-US" altLang="zh-CN" sz="2000"/>
-              <a:t>.md </a:t>
-            </a:r>
-            <a:r>
-              <a:rPr lang="zh-CN" altLang="en-US" sz="2000"/>
-              <a:t>（不同角色对应的菜单）</a:t>
-            </a:r>
-            <a:endParaRPr lang="en-US" altLang="zh-CN" sz="2000"/>
-          </a:p>
-          <a:p>
-            <a:pPr marL="800100" lvl="1" indent="-342900" algn="l">
-              <a:buFont typeface="Arial" panose="020B0604020202020204" pitchFamily="34" charset="0"/>
-              <a:buChar char="•"/>
-            </a:pPr>
-            <a:r>
-              <a:rPr lang="zh-CN" altLang="en-US" sz="2000"/>
-              <a:t>技术表格</a:t>
-            </a:r>
-            <a:r>
-              <a:rPr lang="en-US" altLang="zh-CN" sz="2000"/>
-              <a:t>json</a:t>
-            </a:r>
-            <a:r>
-              <a:rPr lang="zh-CN" altLang="en-US" sz="2000"/>
-              <a:t>模板</a:t>
-            </a:r>
-            <a:endParaRPr lang="en-US" altLang="zh-CN" sz="2000"/>
-          </a:p>
-          <a:p>
-            <a:pPr marL="342900" indent="-342900" algn="l">
-              <a:buFont typeface="Arial" panose="020B0604020202020204" pitchFamily="34" charset="0"/>
-              <a:buChar char="•"/>
-            </a:pPr>
-            <a:r>
-              <a:rPr lang="zh-CN" altLang="en-US" sz="2000"/>
-              <a:t>技术：</a:t>
-            </a:r>
-            <a:endParaRPr lang="en-US" altLang="zh-CN" sz="2000"/>
-          </a:p>
-          <a:p>
-            <a:pPr marL="800100" lvl="1" indent="-342900" algn="l">
-              <a:buFont typeface="Arial" panose="020B0604020202020204" pitchFamily="34" charset="0"/>
-              <a:buChar char="•"/>
-            </a:pPr>
-            <a:r>
-              <a:rPr lang="zh-CN" altLang="en-US" sz="2000"/>
-              <a:t>系统架设</a:t>
-            </a:r>
-            <a:endParaRPr lang="en-US" altLang="zh-CN" sz="2000"/>
-          </a:p>
-          <a:p>
-            <a:pPr marL="800100" lvl="1" indent="-342900" algn="l">
-              <a:buFont typeface="Arial" panose="020B0604020202020204" pitchFamily="34" charset="0"/>
-              <a:buChar char="•"/>
-            </a:pPr>
-            <a:r>
-              <a:rPr lang="zh-CN" altLang="en-US" sz="2000"/>
-              <a:t>存入暂定角色与菜单信息</a:t>
-            </a:r>
-            <a:endParaRPr lang="en-US" altLang="zh-CN" sz="2000"/>
-          </a:p>
-          <a:p>
-            <a:pPr marL="800100" lvl="1" indent="-342900" algn="l">
-              <a:buFont typeface="Arial" panose="020B0604020202020204" pitchFamily="34" charset="0"/>
-              <a:buChar char="•"/>
-            </a:pPr>
-            <a:r>
-              <a:rPr lang="zh-CN" altLang="en-US" sz="2000"/>
-              <a:t>编写相关接口</a:t>
-            </a:r>
-            <a:endParaRPr lang="en-US" altLang="zh-CN" sz="2000" dirty="0"/>
+              <a:rPr lang="zh-CN" altLang="en-US" sz="2000" dirty="0"/>
+              <a:t>项目研发报告</a:t>
+            </a:r>
+            <a:r>
+              <a:rPr lang="en-US" altLang="zh-CN" sz="2000" dirty="0"/>
+              <a:t>(</a:t>
+            </a:r>
+            <a:r>
+              <a:rPr lang="zh-CN" altLang="en-US" sz="2000" dirty="0"/>
+              <a:t>技术部分</a:t>
+            </a:r>
+            <a:r>
+              <a:rPr lang="en-US" altLang="zh-CN" sz="2000" dirty="0"/>
+              <a:t>)</a:t>
+            </a:r>
           </a:p>
         </p:txBody>
       </p:sp>

--- a/文档/汇报ppt/6.6汇报.pptx
+++ b/文档/汇报ppt/6.6汇报.pptx
@@ -22,12 +22,12 @@
     <p:sldId id="282" r:id="rId10"/>
     <p:sldId id="283" r:id="rId11"/>
     <p:sldId id="284" r:id="rId12"/>
-    <p:sldId id="285" r:id="rId13"/>
-    <p:sldId id="261" r:id="rId14"/>
-    <p:sldId id="286" r:id="rId15"/>
-    <p:sldId id="287" r:id="rId16"/>
-    <p:sldId id="288" r:id="rId17"/>
-    <p:sldId id="289" r:id="rId18"/>
+    <p:sldId id="261" r:id="rId13"/>
+    <p:sldId id="286" r:id="rId14"/>
+    <p:sldId id="289" r:id="rId15"/>
+    <p:sldId id="291" r:id="rId16"/>
+    <p:sldId id="292" r:id="rId17"/>
+    <p:sldId id="293" r:id="rId18"/>
     <p:sldId id="290" r:id="rId19"/>
   </p:sldIdLst>
   <p:sldSz cx="12192000" cy="6858000"/>
@@ -2667,7 +2667,7 @@
           <a:graphicData uri="http://schemas.openxmlformats.org/presentationml/2006/ole">
             <mc:AlternateContent xmlns:mc="http://schemas.openxmlformats.org/markup-compatibility/2006">
               <mc:Choice xmlns:v="urn:schemas-microsoft-com:vml" Requires="v">
-                <p:oleObj spid="_x0000_s1038" name="think-cell Slide" r:id="rId5" imgW="347" imgH="348" progId="TCLayout.ActiveDocument.1">
+                <p:oleObj spid="_x0000_s1041" name="think-cell Slide" r:id="rId5" imgW="347" imgH="348" progId="TCLayout.ActiveDocument.1">
                   <p:embed/>
                 </p:oleObj>
               </mc:Choice>
@@ -2938,9 +2938,10 @@
           <a:lstStyle/>
           <a:p>
             <a:r>
-              <a:rPr lang="zh-CN" altLang="en-US"/>
-              <a:t>菜单组件</a:t>
-            </a:r>
+              <a:rPr lang="en-US" altLang="zh-CN" dirty="0"/>
+              <a:t>5.23</a:t>
+            </a:r>
+            <a:endParaRPr lang="zh-CN" altLang="en-US" dirty="0"/>
           </a:p>
         </p:txBody>
       </p:sp>
@@ -2968,35 +2969,343 @@
           </a:p>
         </p:txBody>
       </p:sp>
-      <p:pic>
-        <p:nvPicPr>
-          <p:cNvPr id="7" name="图片 6">
+      <p:sp>
+        <p:nvSpPr>
+          <p:cNvPr id="5" name="内容占位符 2">
             <a:extLst>
               <a:ext uri="{FF2B5EF4-FFF2-40B4-BE49-F238E27FC236}">
-                <a16:creationId xmlns:a16="http://schemas.microsoft.com/office/drawing/2014/main" id="{DB41E3FE-D234-1C16-A73B-DD47390D5BFE}"/>
+                <a16:creationId xmlns:a16="http://schemas.microsoft.com/office/drawing/2014/main" id="{6F738144-4D12-46BA-B702-A083AB27FB1E}"/>
               </a:ext>
             </a:extLst>
           </p:cNvPr>
-          <p:cNvPicPr>
-            <a:picLocks noChangeAspect="1"/>
-          </p:cNvPicPr>
+          <p:cNvSpPr txBox="1">
+            <a:spLocks/>
+          </p:cNvSpPr>
           <p:nvPr/>
-        </p:nvPicPr>
-        <p:blipFill rotWithShape="1">
-          <a:blip r:embed="rId3"/>
-          <a:srcRect b="10719"/>
-          <a:stretch/>
-        </p:blipFill>
+        </p:nvSpPr>
         <p:spPr>
           <a:xfrm>
-            <a:off x="1149768" y="1344182"/>
-            <a:ext cx="9447619" cy="5330938"/>
+            <a:off x="473074" y="1377371"/>
+            <a:ext cx="9221342" cy="4863091"/>
           </a:xfrm>
           <a:prstGeom prst="rect">
             <a:avLst/>
           </a:prstGeom>
         </p:spPr>
-      </p:pic>
+        <p:txBody>
+          <a:bodyPr/>
+          <a:lstStyle>
+            <a:lvl1pPr marL="228589" indent="-228589" algn="l" defTabSz="914354" rtl="0" eaLnBrk="1" latinLnBrk="0" hangingPunct="1">
+              <a:lnSpc>
+                <a:spcPct val="90000"/>
+              </a:lnSpc>
+              <a:spcBef>
+                <a:spcPts val="1000"/>
+              </a:spcBef>
+              <a:buFont typeface="Arial" panose="020B0604020202020204" pitchFamily="34" charset="0"/>
+              <a:buChar char="•"/>
+              <a:defRPr sz="1800" kern="1200">
+                <a:solidFill>
+                  <a:schemeClr val="tx1"/>
+                </a:solidFill>
+                <a:latin typeface="+mn-lt"/>
+                <a:ea typeface="+mn-ea"/>
+                <a:cs typeface="+mn-cs"/>
+              </a:defRPr>
+            </a:lvl1pPr>
+            <a:lvl2pPr marL="685766" indent="-228589" algn="l" defTabSz="914354" rtl="0" eaLnBrk="1" latinLnBrk="0" hangingPunct="1">
+              <a:lnSpc>
+                <a:spcPct val="90000"/>
+              </a:lnSpc>
+              <a:spcBef>
+                <a:spcPts val="500"/>
+              </a:spcBef>
+              <a:buFont typeface="Arial" panose="020B0604020202020204" pitchFamily="34" charset="0"/>
+              <a:buChar char="•"/>
+              <a:defRPr sz="1600" kern="1200">
+                <a:solidFill>
+                  <a:schemeClr val="tx1"/>
+                </a:solidFill>
+                <a:latin typeface="+mn-lt"/>
+                <a:ea typeface="+mn-ea"/>
+                <a:cs typeface="+mn-cs"/>
+              </a:defRPr>
+            </a:lvl2pPr>
+            <a:lvl3pPr marL="1142942" indent="-228589" algn="l" defTabSz="914354" rtl="0" eaLnBrk="1" latinLnBrk="0" hangingPunct="1">
+              <a:lnSpc>
+                <a:spcPct val="90000"/>
+              </a:lnSpc>
+              <a:spcBef>
+                <a:spcPts val="500"/>
+              </a:spcBef>
+              <a:buFont typeface="Arial" panose="020B0604020202020204" pitchFamily="34" charset="0"/>
+              <a:buChar char="•"/>
+              <a:defRPr sz="1400" kern="1200">
+                <a:solidFill>
+                  <a:schemeClr val="tx1"/>
+                </a:solidFill>
+                <a:latin typeface="+mn-lt"/>
+                <a:ea typeface="+mn-ea"/>
+                <a:cs typeface="+mn-cs"/>
+              </a:defRPr>
+            </a:lvl3pPr>
+            <a:lvl4pPr marL="1600120" indent="-228589" algn="l" defTabSz="914354" rtl="0" eaLnBrk="1" latinLnBrk="0" hangingPunct="1">
+              <a:lnSpc>
+                <a:spcPct val="90000"/>
+              </a:lnSpc>
+              <a:spcBef>
+                <a:spcPts val="500"/>
+              </a:spcBef>
+              <a:buFont typeface="Arial" panose="020B0604020202020204" pitchFamily="34" charset="0"/>
+              <a:buChar char="•"/>
+              <a:defRPr sz="1200" kern="1200">
+                <a:solidFill>
+                  <a:schemeClr val="tx1"/>
+                </a:solidFill>
+                <a:latin typeface="+mn-lt"/>
+                <a:ea typeface="+mn-ea"/>
+                <a:cs typeface="+mn-cs"/>
+              </a:defRPr>
+            </a:lvl4pPr>
+            <a:lvl5pPr marL="2057298" indent="-228589" algn="l" defTabSz="914354" rtl="0" eaLnBrk="1" latinLnBrk="0" hangingPunct="1">
+              <a:lnSpc>
+                <a:spcPct val="90000"/>
+              </a:lnSpc>
+              <a:spcBef>
+                <a:spcPts val="500"/>
+              </a:spcBef>
+              <a:buFont typeface="Arial" panose="020B0604020202020204" pitchFamily="34" charset="0"/>
+              <a:buChar char="•"/>
+              <a:defRPr sz="1200" kern="1200">
+                <a:solidFill>
+                  <a:schemeClr val="tx1"/>
+                </a:solidFill>
+                <a:latin typeface="+mn-lt"/>
+                <a:ea typeface="+mn-ea"/>
+                <a:cs typeface="+mn-cs"/>
+              </a:defRPr>
+            </a:lvl5pPr>
+            <a:lvl6pPr marL="2514474" indent="-228589" algn="l" defTabSz="914354" rtl="0" eaLnBrk="1" latinLnBrk="0" hangingPunct="1">
+              <a:lnSpc>
+                <a:spcPct val="90000"/>
+              </a:lnSpc>
+              <a:spcBef>
+                <a:spcPts val="500"/>
+              </a:spcBef>
+              <a:buFont typeface="Arial" panose="020B0604020202020204" pitchFamily="34" charset="0"/>
+              <a:buChar char="•"/>
+              <a:defRPr sz="1800" kern="1200">
+                <a:solidFill>
+                  <a:schemeClr val="tx1"/>
+                </a:solidFill>
+                <a:latin typeface="+mn-lt"/>
+                <a:ea typeface="+mn-ea"/>
+                <a:cs typeface="+mn-cs"/>
+              </a:defRPr>
+            </a:lvl6pPr>
+            <a:lvl7pPr marL="2971652" indent="-228589" algn="l" defTabSz="914354" rtl="0" eaLnBrk="1" latinLnBrk="0" hangingPunct="1">
+              <a:lnSpc>
+                <a:spcPct val="90000"/>
+              </a:lnSpc>
+              <a:spcBef>
+                <a:spcPts val="500"/>
+              </a:spcBef>
+              <a:buFont typeface="Arial" panose="020B0604020202020204" pitchFamily="34" charset="0"/>
+              <a:buChar char="•"/>
+              <a:defRPr sz="1800" kern="1200">
+                <a:solidFill>
+                  <a:schemeClr val="tx1"/>
+                </a:solidFill>
+                <a:latin typeface="+mn-lt"/>
+                <a:ea typeface="+mn-ea"/>
+                <a:cs typeface="+mn-cs"/>
+              </a:defRPr>
+            </a:lvl7pPr>
+            <a:lvl8pPr marL="3428829" indent="-228589" algn="l" defTabSz="914354" rtl="0" eaLnBrk="1" latinLnBrk="0" hangingPunct="1">
+              <a:lnSpc>
+                <a:spcPct val="90000"/>
+              </a:lnSpc>
+              <a:spcBef>
+                <a:spcPts val="500"/>
+              </a:spcBef>
+              <a:buFont typeface="Arial" panose="020B0604020202020204" pitchFamily="34" charset="0"/>
+              <a:buChar char="•"/>
+              <a:defRPr sz="1800" kern="1200">
+                <a:solidFill>
+                  <a:schemeClr val="tx1"/>
+                </a:solidFill>
+                <a:latin typeface="+mn-lt"/>
+                <a:ea typeface="+mn-ea"/>
+                <a:cs typeface="+mn-cs"/>
+              </a:defRPr>
+            </a:lvl8pPr>
+            <a:lvl9pPr marL="3886006" indent="-228589" algn="l" defTabSz="914354" rtl="0" eaLnBrk="1" latinLnBrk="0" hangingPunct="1">
+              <a:lnSpc>
+                <a:spcPct val="90000"/>
+              </a:lnSpc>
+              <a:spcBef>
+                <a:spcPts val="500"/>
+              </a:spcBef>
+              <a:buFont typeface="Arial" panose="020B0604020202020204" pitchFamily="34" charset="0"/>
+              <a:buChar char="•"/>
+              <a:defRPr sz="1800" kern="1200">
+                <a:solidFill>
+                  <a:schemeClr val="tx1"/>
+                </a:solidFill>
+                <a:latin typeface="+mn-lt"/>
+                <a:ea typeface="+mn-ea"/>
+                <a:cs typeface="+mn-cs"/>
+              </a:defRPr>
+            </a:lvl9pPr>
+          </a:lstStyle>
+          <a:p>
+            <a:r>
+              <a:rPr lang="zh-CN" altLang="en-US" sz="2200" dirty="0">
+                <a:latin typeface="+mn-ea"/>
+              </a:rPr>
+              <a:t>技术</a:t>
+            </a:r>
+            <a:endParaRPr lang="en-US" altLang="zh-CN" sz="2200" dirty="0">
+              <a:latin typeface="+mn-ea"/>
+            </a:endParaRPr>
+          </a:p>
+          <a:p>
+            <a:pPr lvl="1"/>
+            <a:r>
+              <a:rPr lang="zh-CN" altLang="en-US" sz="2000" dirty="0">
+                <a:latin typeface="+mn-ea"/>
+              </a:rPr>
+              <a:t>编写单元测试</a:t>
+            </a:r>
+            <a:r>
+              <a:rPr lang="en-US" altLang="zh-CN" sz="2000" dirty="0">
+                <a:latin typeface="+mn-ea"/>
+              </a:rPr>
+              <a:t>	</a:t>
+            </a:r>
+          </a:p>
+          <a:p>
+            <a:pPr lvl="2"/>
+            <a:r>
+              <a:rPr lang="zh-CN" altLang="en-US" sz="1800" dirty="0">
+                <a:latin typeface="+mn-ea"/>
+              </a:rPr>
+              <a:t>委托</a:t>
+            </a:r>
+            <a:endParaRPr lang="en-US" altLang="zh-CN" sz="1800" dirty="0">
+              <a:latin typeface="+mn-ea"/>
+            </a:endParaRPr>
+          </a:p>
+          <a:p>
+            <a:pPr lvl="2"/>
+            <a:r>
+              <a:rPr lang="zh-CN" altLang="en-US" sz="1800" dirty="0">
+                <a:latin typeface="+mn-ea"/>
+              </a:rPr>
+              <a:t>合同</a:t>
+            </a:r>
+            <a:endParaRPr lang="en-US" altLang="zh-CN" sz="1800" dirty="0">
+              <a:latin typeface="+mn-ea"/>
+            </a:endParaRPr>
+          </a:p>
+          <a:p>
+            <a:pPr lvl="2"/>
+            <a:r>
+              <a:rPr lang="zh-CN" altLang="en-US" sz="1800" dirty="0">
+                <a:latin typeface="+mn-ea"/>
+              </a:rPr>
+              <a:t>样品</a:t>
+            </a:r>
+            <a:endParaRPr lang="en-US" altLang="zh-CN" sz="1800" dirty="0">
+              <a:latin typeface="+mn-ea"/>
+            </a:endParaRPr>
+          </a:p>
+          <a:p>
+            <a:pPr lvl="2"/>
+            <a:r>
+              <a:rPr lang="zh-CN" altLang="en-US" sz="1800" dirty="0">
+                <a:latin typeface="+mn-ea"/>
+              </a:rPr>
+              <a:t>测试报告</a:t>
+            </a:r>
+            <a:endParaRPr lang="en-US" altLang="zh-CN" sz="1800" dirty="0">
+              <a:latin typeface="+mn-ea"/>
+            </a:endParaRPr>
+          </a:p>
+          <a:p>
+            <a:pPr lvl="1"/>
+            <a:r>
+              <a:rPr lang="en-US" altLang="zh-CN" sz="2000" dirty="0">
+                <a:latin typeface="+mn-ea"/>
+              </a:rPr>
+              <a:t>Mockito</a:t>
+            </a:r>
+            <a:r>
+              <a:rPr lang="zh-CN" altLang="en-US" sz="2000" dirty="0">
+                <a:latin typeface="+mn-ea"/>
+              </a:rPr>
+              <a:t>提供的</a:t>
+            </a:r>
+            <a:r>
+              <a:rPr lang="en-US" altLang="zh-CN" sz="2000" dirty="0">
+                <a:latin typeface="+mn-ea"/>
+              </a:rPr>
+              <a:t>mock</a:t>
+            </a:r>
+            <a:r>
+              <a:rPr lang="zh-CN" altLang="en-US" sz="2000" dirty="0">
+                <a:latin typeface="+mn-ea"/>
+              </a:rPr>
+              <a:t>框架模拟外部依赖测试</a:t>
+            </a:r>
+            <a:endParaRPr lang="en-US" altLang="zh-CN" sz="2000" dirty="0">
+              <a:latin typeface="+mn-ea"/>
+            </a:endParaRPr>
+          </a:p>
+          <a:p>
+            <a:pPr lvl="1"/>
+            <a:r>
+              <a:rPr lang="zh-CN" altLang="en-US" sz="2000" dirty="0">
+                <a:latin typeface="+mn-ea"/>
+              </a:rPr>
+              <a:t>编写</a:t>
+            </a:r>
+            <a:r>
+              <a:rPr lang="en-US" altLang="zh-CN" sz="2000" dirty="0">
+                <a:latin typeface="+mn-ea"/>
+              </a:rPr>
+              <a:t>/</a:t>
+            </a:r>
+            <a:r>
+              <a:rPr lang="zh-CN" altLang="en-US" sz="2000" dirty="0">
+                <a:latin typeface="+mn-ea"/>
+              </a:rPr>
+              <a:t>修改接口</a:t>
+            </a:r>
+            <a:endParaRPr lang="en-US" altLang="zh-CN" sz="2000" dirty="0">
+              <a:latin typeface="+mn-ea"/>
+            </a:endParaRPr>
+          </a:p>
+          <a:p>
+            <a:pPr lvl="2"/>
+            <a:r>
+              <a:rPr lang="zh-CN" altLang="en-US" sz="1800" dirty="0">
+                <a:latin typeface="+mn-ea"/>
+              </a:rPr>
+              <a:t>取消委托</a:t>
+            </a:r>
+            <a:endParaRPr lang="en-US" altLang="zh-CN" sz="1800" dirty="0">
+              <a:latin typeface="+mn-ea"/>
+            </a:endParaRPr>
+          </a:p>
+          <a:p>
+            <a:pPr lvl="2"/>
+            <a:endParaRPr lang="en-US" altLang="zh-CN" sz="1800" dirty="0">
+              <a:latin typeface="+mn-ea"/>
+            </a:endParaRPr>
+          </a:p>
+        </p:txBody>
+      </p:sp>
     </p:spTree>
     <p:custDataLst>
       <p:tags r:id="rId1"/>
@@ -3046,17 +3355,10 @@
           <a:lstStyle/>
           <a:p>
             <a:r>
-              <a:rPr lang="zh-CN" altLang="en-US"/>
-              <a:t>技术表格</a:t>
-            </a:r>
-            <a:r>
-              <a:rPr lang="en-US" altLang="zh-CN"/>
-              <a:t>json</a:t>
-            </a:r>
-            <a:r>
-              <a:rPr lang="zh-CN" altLang="en-US"/>
-              <a:t>模板</a:t>
-            </a:r>
+              <a:rPr lang="en-US" altLang="zh-CN" dirty="0"/>
+              <a:t>5.30</a:t>
+            </a:r>
+            <a:endParaRPr lang="zh-CN" altLang="en-US" dirty="0"/>
           </a:p>
         </p:txBody>
       </p:sp>
@@ -3278,87 +3580,107 @@
           <a:p>
             <a:r>
               <a:rPr lang="zh-CN" altLang="en-US" sz="2400" dirty="0"/>
-              <a:t>对技术表格进行抽象，前后端表格相关数据接口规范</a:t>
+              <a:t>技术</a:t>
             </a:r>
             <a:endParaRPr lang="en-US" altLang="zh-CN" sz="2400" dirty="0"/>
           </a:p>
           <a:p>
+            <a:pPr lvl="1"/>
+            <a:r>
+              <a:rPr lang="zh-CN" altLang="en-US" sz="2000" dirty="0"/>
+              <a:t>编写单元测试</a:t>
+            </a:r>
+            <a:endParaRPr lang="en-US" altLang="zh-CN" sz="2000" dirty="0"/>
+          </a:p>
+          <a:p>
+            <a:pPr lvl="2"/>
+            <a:r>
+              <a:rPr lang="zh-CN" altLang="en-US" sz="1600" dirty="0"/>
+              <a:t>用户、角色、权限、公司管理增删查改</a:t>
+            </a:r>
+            <a:endParaRPr lang="en-US" altLang="zh-CN" sz="1600" dirty="0"/>
+          </a:p>
+          <a:p>
+            <a:pPr lvl="1"/>
+            <a:r>
+              <a:rPr lang="zh-CN" altLang="en-US" sz="2000" dirty="0"/>
+              <a:t>与前端对接</a:t>
+            </a:r>
+            <a:endParaRPr lang="en-US" altLang="zh-CN" sz="2000" dirty="0"/>
+          </a:p>
+          <a:p>
+            <a:pPr lvl="2"/>
+            <a:r>
+              <a:rPr lang="zh-CN" altLang="en-US" sz="1600" dirty="0"/>
+              <a:t>修复部分有</a:t>
+            </a:r>
+            <a:r>
+              <a:rPr lang="en-US" altLang="zh-CN" sz="1600" dirty="0"/>
+              <a:t>bug</a:t>
+            </a:r>
+            <a:r>
+              <a:rPr lang="zh-CN" altLang="en-US" sz="1600" dirty="0"/>
+              <a:t>的接口</a:t>
+            </a:r>
+            <a:endParaRPr lang="en-US" altLang="zh-CN" sz="1600" dirty="0"/>
+          </a:p>
+          <a:p>
+            <a:pPr lvl="2"/>
+            <a:r>
+              <a:rPr lang="zh-CN" altLang="en-US" sz="1600" dirty="0"/>
+              <a:t>修改部分接口返回值与参数，便于前端使用</a:t>
+            </a:r>
+            <a:endParaRPr lang="en-US" altLang="zh-CN" sz="1600" dirty="0"/>
+          </a:p>
+          <a:p>
+            <a:pPr lvl="1"/>
+            <a:r>
+              <a:rPr lang="zh-CN" altLang="en-US" sz="2000" dirty="0"/>
+              <a:t>继续完善代码</a:t>
+            </a:r>
+            <a:endParaRPr lang="en-US" altLang="zh-CN" sz="1600" dirty="0"/>
+          </a:p>
+          <a:p>
             <a:r>
               <a:rPr lang="zh-CN" altLang="en-US" sz="2400" dirty="0"/>
-              <a:t>为下一步编写</a:t>
-            </a:r>
-            <a:r>
-              <a:rPr lang="en-US" altLang="zh-CN" sz="2400" dirty="0"/>
-              <a:t>latex</a:t>
-            </a:r>
-            <a:r>
-              <a:rPr lang="zh-CN" altLang="en-US" sz="2400" dirty="0"/>
-              <a:t>模板提供支持</a:t>
+              <a:t>文档编写中</a:t>
             </a:r>
             <a:endParaRPr lang="en-US" altLang="zh-CN" sz="2400" dirty="0"/>
+          </a:p>
+          <a:p>
+            <a:pPr lvl="1"/>
+            <a:r>
+              <a:rPr lang="zh-CN" altLang="en-US" sz="2000" dirty="0"/>
+              <a:t>设计说明书</a:t>
+            </a:r>
+            <a:endParaRPr lang="en-US" altLang="zh-CN" sz="2000" dirty="0"/>
+          </a:p>
+          <a:p>
+            <a:pPr lvl="1"/>
+            <a:r>
+              <a:rPr lang="zh-CN" altLang="en-US" sz="2000" dirty="0"/>
+              <a:t>研发报告</a:t>
+            </a:r>
+            <a:endParaRPr lang="en-US" altLang="zh-CN" sz="2000" dirty="0"/>
+          </a:p>
+          <a:p>
+            <a:pPr lvl="1"/>
+            <a:r>
+              <a:rPr lang="zh-CN" altLang="en-US" sz="2000" dirty="0"/>
+              <a:t>需求规格说明书</a:t>
+            </a:r>
+            <a:endParaRPr lang="en-US" altLang="zh-CN" sz="2000" dirty="0"/>
+          </a:p>
+          <a:p>
+            <a:pPr lvl="1"/>
+            <a:r>
+              <a:rPr lang="zh-CN" altLang="en-US" sz="2000" dirty="0"/>
+              <a:t>测试报告</a:t>
+            </a:r>
+            <a:endParaRPr lang="en-US" altLang="zh-CN" sz="2000" dirty="0"/>
           </a:p>
         </p:txBody>
       </p:sp>
-      <p:pic>
-        <p:nvPicPr>
-          <p:cNvPr id="6" name="图片 5">
-            <a:extLst>
-              <a:ext uri="{FF2B5EF4-FFF2-40B4-BE49-F238E27FC236}">
-                <a16:creationId xmlns:a16="http://schemas.microsoft.com/office/drawing/2014/main" id="{2F77B7B8-586E-2871-9140-684EAE692755}"/>
-              </a:ext>
-            </a:extLst>
-          </p:cNvPr>
-          <p:cNvPicPr>
-            <a:picLocks noChangeAspect="1"/>
-          </p:cNvPicPr>
-          <p:nvPr/>
-        </p:nvPicPr>
-        <p:blipFill>
-          <a:blip r:embed="rId3"/>
-          <a:stretch>
-            <a:fillRect/>
-          </a:stretch>
-        </p:blipFill>
-        <p:spPr>
-          <a:xfrm>
-            <a:off x="5883668" y="1564273"/>
-            <a:ext cx="2857143" cy="4676190"/>
-          </a:xfrm>
-          <a:prstGeom prst="rect">
-            <a:avLst/>
-          </a:prstGeom>
-        </p:spPr>
-      </p:pic>
-      <p:pic>
-        <p:nvPicPr>
-          <p:cNvPr id="8" name="内容占位符 3">
-            <a:extLst>
-              <a:ext uri="{FF2B5EF4-FFF2-40B4-BE49-F238E27FC236}">
-                <a16:creationId xmlns:a16="http://schemas.microsoft.com/office/drawing/2014/main" id="{1F98EDA5-6248-4CEA-1950-BE5B87BE0794}"/>
-              </a:ext>
-            </a:extLst>
-          </p:cNvPr>
-          <p:cNvPicPr>
-            <a:picLocks noChangeAspect="1"/>
-          </p:cNvPicPr>
-          <p:nvPr/>
-        </p:nvPicPr>
-        <p:blipFill>
-          <a:blip r:embed="rId4"/>
-          <a:stretch>
-            <a:fillRect/>
-          </a:stretch>
-        </p:blipFill>
-        <p:spPr>
-          <a:xfrm>
-            <a:off x="9517063" y="1028700"/>
-            <a:ext cx="2333886" cy="5780258"/>
-          </a:xfrm>
-          <a:prstGeom prst="rect">
-            <a:avLst/>
-          </a:prstGeom>
-        </p:spPr>
-      </p:pic>
     </p:spTree>
     <p:custDataLst>
       <p:tags r:id="rId1"/>
@@ -3376,368 +3698,6 @@
 </file>
 
 <file path=ppt/slides/slide12.xml><?xml version="1.0" encoding="utf-8"?>
-<p:sld xmlns:a="http://schemas.openxmlformats.org/drawingml/2006/main" xmlns:r="http://schemas.openxmlformats.org/officeDocument/2006/relationships" xmlns:p="http://schemas.openxmlformats.org/presentationml/2006/main">
-  <p:cSld>
-    <p:spTree>
-      <p:nvGrpSpPr>
-        <p:cNvPr id="1" name="ïŝlíḑè"/>
-        <p:cNvGrpSpPr/>
-        <p:nvPr/>
-      </p:nvGrpSpPr>
-      <p:grpSpPr>
-        <a:xfrm>
-          <a:off x="0" y="0"/>
-          <a:ext cx="0" cy="0"/>
-          <a:chOff x="0" y="0"/>
-          <a:chExt cx="0" cy="0"/>
-        </a:xfrm>
-      </p:grpSpPr>
-      <p:sp>
-        <p:nvSpPr>
-          <p:cNvPr id="2" name="ïṣ1îḑe"/>
-          <p:cNvSpPr>
-            <a:spLocks noGrp="1"/>
-          </p:cNvSpPr>
-          <p:nvPr>
-            <p:ph type="title"/>
-          </p:nvPr>
-        </p:nvSpPr>
-        <p:spPr/>
-        <p:txBody>
-          <a:bodyPr/>
-          <a:lstStyle/>
-          <a:p>
-            <a:r>
-              <a:rPr lang="zh-CN" altLang="en-US"/>
-              <a:t>技术表格</a:t>
-            </a:r>
-            <a:r>
-              <a:rPr lang="en-US" altLang="zh-CN"/>
-              <a:t>json</a:t>
-            </a:r>
-            <a:r>
-              <a:rPr lang="zh-CN" altLang="en-US"/>
-              <a:t>模板</a:t>
-            </a:r>
-          </a:p>
-        </p:txBody>
-      </p:sp>
-      <p:sp>
-        <p:nvSpPr>
-          <p:cNvPr id="4" name="íṧḻíďè"/>
-          <p:cNvSpPr>
-            <a:spLocks noGrp="1"/>
-          </p:cNvSpPr>
-          <p:nvPr>
-            <p:ph type="sldNum" sz="quarter" idx="12"/>
-          </p:nvPr>
-        </p:nvSpPr>
-        <p:spPr/>
-        <p:txBody>
-          <a:bodyPr/>
-          <a:lstStyle/>
-          <a:p>
-            <a:fld id="{5DD3DB80-B894-403A-B48E-6FDC1A72010E}" type="slidenum">
-              <a:rPr lang="zh-CN" altLang="en-US" smtClean="0"/>
-              <a:pPr/>
-              <a:t>12</a:t>
-            </a:fld>
-            <a:endParaRPr lang="zh-CN" altLang="en-US"/>
-          </a:p>
-        </p:txBody>
-      </p:sp>
-      <p:sp>
-        <p:nvSpPr>
-          <p:cNvPr id="5" name="内容占位符 2">
-            <a:extLst>
-              <a:ext uri="{FF2B5EF4-FFF2-40B4-BE49-F238E27FC236}">
-                <a16:creationId xmlns:a16="http://schemas.microsoft.com/office/drawing/2014/main" id="{921BC9A7-0716-C435-7CBE-F8E2BAB954BC}"/>
-              </a:ext>
-            </a:extLst>
-          </p:cNvPr>
-          <p:cNvSpPr txBox="1">
-            <a:spLocks/>
-          </p:cNvSpPr>
-          <p:nvPr/>
-        </p:nvSpPr>
-        <p:spPr>
-          <a:xfrm>
-            <a:off x="341051" y="1168678"/>
-            <a:ext cx="5257800" cy="4351338"/>
-          </a:xfrm>
-          <a:prstGeom prst="rect">
-            <a:avLst/>
-          </a:prstGeom>
-        </p:spPr>
-        <p:txBody>
-          <a:bodyPr vert="horz" lIns="91440" tIns="45720" rIns="91440" bIns="45720" rtlCol="0">
-            <a:normAutofit/>
-          </a:bodyPr>
-          <a:lstStyle>
-            <a:lvl1pPr marL="228600" indent="-228600" algn="l" defTabSz="914400" rtl="0" eaLnBrk="1" latinLnBrk="0" hangingPunct="1">
-              <a:lnSpc>
-                <a:spcPct val="90000"/>
-              </a:lnSpc>
-              <a:spcBef>
-                <a:spcPts val="1000"/>
-              </a:spcBef>
-              <a:buFont typeface="Arial" panose="020B0604020202020204" pitchFamily="34" charset="0"/>
-              <a:buChar char="•"/>
-              <a:defRPr sz="2800" kern="1200">
-                <a:solidFill>
-                  <a:schemeClr val="tx1"/>
-                </a:solidFill>
-                <a:latin typeface="+mn-lt"/>
-                <a:ea typeface="+mn-ea"/>
-                <a:cs typeface="+mn-cs"/>
-              </a:defRPr>
-            </a:lvl1pPr>
-            <a:lvl2pPr marL="685800" indent="-228600" algn="l" defTabSz="914400" rtl="0" eaLnBrk="1" latinLnBrk="0" hangingPunct="1">
-              <a:lnSpc>
-                <a:spcPct val="90000"/>
-              </a:lnSpc>
-              <a:spcBef>
-                <a:spcPts val="500"/>
-              </a:spcBef>
-              <a:buFont typeface="Arial" panose="020B0604020202020204" pitchFamily="34" charset="0"/>
-              <a:buChar char="•"/>
-              <a:defRPr sz="2400" kern="1200">
-                <a:solidFill>
-                  <a:schemeClr val="tx1"/>
-                </a:solidFill>
-                <a:latin typeface="+mn-lt"/>
-                <a:ea typeface="+mn-ea"/>
-                <a:cs typeface="+mn-cs"/>
-              </a:defRPr>
-            </a:lvl2pPr>
-            <a:lvl3pPr marL="1143000" indent="-228600" algn="l" defTabSz="914400" rtl="0" eaLnBrk="1" latinLnBrk="0" hangingPunct="1">
-              <a:lnSpc>
-                <a:spcPct val="90000"/>
-              </a:lnSpc>
-              <a:spcBef>
-                <a:spcPts val="500"/>
-              </a:spcBef>
-              <a:buFont typeface="Arial" panose="020B0604020202020204" pitchFamily="34" charset="0"/>
-              <a:buChar char="•"/>
-              <a:defRPr sz="2000" kern="1200">
-                <a:solidFill>
-                  <a:schemeClr val="tx1"/>
-                </a:solidFill>
-                <a:latin typeface="+mn-lt"/>
-                <a:ea typeface="+mn-ea"/>
-                <a:cs typeface="+mn-cs"/>
-              </a:defRPr>
-            </a:lvl3pPr>
-            <a:lvl4pPr marL="1600200" indent="-228600" algn="l" defTabSz="914400" rtl="0" eaLnBrk="1" latinLnBrk="0" hangingPunct="1">
-              <a:lnSpc>
-                <a:spcPct val="90000"/>
-              </a:lnSpc>
-              <a:spcBef>
-                <a:spcPts val="500"/>
-              </a:spcBef>
-              <a:buFont typeface="Arial" panose="020B0604020202020204" pitchFamily="34" charset="0"/>
-              <a:buChar char="•"/>
-              <a:defRPr sz="1800" kern="1200">
-                <a:solidFill>
-                  <a:schemeClr val="tx1"/>
-                </a:solidFill>
-                <a:latin typeface="+mn-lt"/>
-                <a:ea typeface="+mn-ea"/>
-                <a:cs typeface="+mn-cs"/>
-              </a:defRPr>
-            </a:lvl4pPr>
-            <a:lvl5pPr marL="2057400" indent="-228600" algn="l" defTabSz="914400" rtl="0" eaLnBrk="1" latinLnBrk="0" hangingPunct="1">
-              <a:lnSpc>
-                <a:spcPct val="90000"/>
-              </a:lnSpc>
-              <a:spcBef>
-                <a:spcPts val="500"/>
-              </a:spcBef>
-              <a:buFont typeface="Arial" panose="020B0604020202020204" pitchFamily="34" charset="0"/>
-              <a:buChar char="•"/>
-              <a:defRPr sz="1800" kern="1200">
-                <a:solidFill>
-                  <a:schemeClr val="tx1"/>
-                </a:solidFill>
-                <a:latin typeface="+mn-lt"/>
-                <a:ea typeface="+mn-ea"/>
-                <a:cs typeface="+mn-cs"/>
-              </a:defRPr>
-            </a:lvl5pPr>
-            <a:lvl6pPr marL="2514600" indent="-228600" algn="l" defTabSz="914400" rtl="0" eaLnBrk="1" latinLnBrk="0" hangingPunct="1">
-              <a:lnSpc>
-                <a:spcPct val="90000"/>
-              </a:lnSpc>
-              <a:spcBef>
-                <a:spcPts val="500"/>
-              </a:spcBef>
-              <a:buFont typeface="Arial" panose="020B0604020202020204" pitchFamily="34" charset="0"/>
-              <a:buChar char="•"/>
-              <a:defRPr sz="1800" kern="1200">
-                <a:solidFill>
-                  <a:schemeClr val="tx1"/>
-                </a:solidFill>
-                <a:latin typeface="+mn-lt"/>
-                <a:ea typeface="+mn-ea"/>
-                <a:cs typeface="+mn-cs"/>
-              </a:defRPr>
-            </a:lvl6pPr>
-            <a:lvl7pPr marL="2971800" indent="-228600" algn="l" defTabSz="914400" rtl="0" eaLnBrk="1" latinLnBrk="0" hangingPunct="1">
-              <a:lnSpc>
-                <a:spcPct val="90000"/>
-              </a:lnSpc>
-              <a:spcBef>
-                <a:spcPts val="500"/>
-              </a:spcBef>
-              <a:buFont typeface="Arial" panose="020B0604020202020204" pitchFamily="34" charset="0"/>
-              <a:buChar char="•"/>
-              <a:defRPr sz="1800" kern="1200">
-                <a:solidFill>
-                  <a:schemeClr val="tx1"/>
-                </a:solidFill>
-                <a:latin typeface="+mn-lt"/>
-                <a:ea typeface="+mn-ea"/>
-                <a:cs typeface="+mn-cs"/>
-              </a:defRPr>
-            </a:lvl7pPr>
-            <a:lvl8pPr marL="3429000" indent="-228600" algn="l" defTabSz="914400" rtl="0" eaLnBrk="1" latinLnBrk="0" hangingPunct="1">
-              <a:lnSpc>
-                <a:spcPct val="90000"/>
-              </a:lnSpc>
-              <a:spcBef>
-                <a:spcPts val="500"/>
-              </a:spcBef>
-              <a:buFont typeface="Arial" panose="020B0604020202020204" pitchFamily="34" charset="0"/>
-              <a:buChar char="•"/>
-              <a:defRPr sz="1800" kern="1200">
-                <a:solidFill>
-                  <a:schemeClr val="tx1"/>
-                </a:solidFill>
-                <a:latin typeface="+mn-lt"/>
-                <a:ea typeface="+mn-ea"/>
-                <a:cs typeface="+mn-cs"/>
-              </a:defRPr>
-            </a:lvl8pPr>
-            <a:lvl9pPr marL="3886200" indent="-228600" algn="l" defTabSz="914400" rtl="0" eaLnBrk="1" latinLnBrk="0" hangingPunct="1">
-              <a:lnSpc>
-                <a:spcPct val="90000"/>
-              </a:lnSpc>
-              <a:spcBef>
-                <a:spcPts val="500"/>
-              </a:spcBef>
-              <a:buFont typeface="Arial" panose="020B0604020202020204" pitchFamily="34" charset="0"/>
-              <a:buChar char="•"/>
-              <a:defRPr sz="1800" kern="1200">
-                <a:solidFill>
-                  <a:schemeClr val="tx1"/>
-                </a:solidFill>
-                <a:latin typeface="+mn-lt"/>
-                <a:ea typeface="+mn-ea"/>
-                <a:cs typeface="+mn-cs"/>
-              </a:defRPr>
-            </a:lvl9pPr>
-          </a:lstStyle>
-          <a:p>
-            <a:r>
-              <a:rPr lang="zh-CN" altLang="en-US" sz="2400" dirty="0"/>
-              <a:t>对技术表格进行抽象，前后端表格相关数据接口规范</a:t>
-            </a:r>
-            <a:endParaRPr lang="en-US" altLang="zh-CN" sz="2400" dirty="0"/>
-          </a:p>
-          <a:p>
-            <a:r>
-              <a:rPr lang="zh-CN" altLang="en-US" sz="2400" dirty="0"/>
-              <a:t>为下一步编写</a:t>
-            </a:r>
-            <a:r>
-              <a:rPr lang="en-US" altLang="zh-CN" sz="2400" dirty="0"/>
-              <a:t>latex</a:t>
-            </a:r>
-            <a:r>
-              <a:rPr lang="zh-CN" altLang="en-US" sz="2400" dirty="0"/>
-              <a:t>模板提供支持</a:t>
-            </a:r>
-            <a:endParaRPr lang="en-US" altLang="zh-CN" sz="2400" dirty="0"/>
-          </a:p>
-        </p:txBody>
-      </p:sp>
-      <p:pic>
-        <p:nvPicPr>
-          <p:cNvPr id="6" name="图片 5">
-            <a:extLst>
-              <a:ext uri="{FF2B5EF4-FFF2-40B4-BE49-F238E27FC236}">
-                <a16:creationId xmlns:a16="http://schemas.microsoft.com/office/drawing/2014/main" id="{2F77B7B8-586E-2871-9140-684EAE692755}"/>
-              </a:ext>
-            </a:extLst>
-          </p:cNvPr>
-          <p:cNvPicPr>
-            <a:picLocks noChangeAspect="1"/>
-          </p:cNvPicPr>
-          <p:nvPr/>
-        </p:nvPicPr>
-        <p:blipFill>
-          <a:blip r:embed="rId3"/>
-          <a:stretch>
-            <a:fillRect/>
-          </a:stretch>
-        </p:blipFill>
-        <p:spPr>
-          <a:xfrm>
-            <a:off x="5883668" y="1564273"/>
-            <a:ext cx="2857143" cy="4676190"/>
-          </a:xfrm>
-          <a:prstGeom prst="rect">
-            <a:avLst/>
-          </a:prstGeom>
-        </p:spPr>
-      </p:pic>
-      <p:pic>
-        <p:nvPicPr>
-          <p:cNvPr id="8" name="内容占位符 3">
-            <a:extLst>
-              <a:ext uri="{FF2B5EF4-FFF2-40B4-BE49-F238E27FC236}">
-                <a16:creationId xmlns:a16="http://schemas.microsoft.com/office/drawing/2014/main" id="{1F98EDA5-6248-4CEA-1950-BE5B87BE0794}"/>
-              </a:ext>
-            </a:extLst>
-          </p:cNvPr>
-          <p:cNvPicPr>
-            <a:picLocks noChangeAspect="1"/>
-          </p:cNvPicPr>
-          <p:nvPr/>
-        </p:nvPicPr>
-        <p:blipFill>
-          <a:blip r:embed="rId4"/>
-          <a:stretch>
-            <a:fillRect/>
-          </a:stretch>
-        </p:blipFill>
-        <p:spPr>
-          <a:xfrm>
-            <a:off x="9517063" y="1028700"/>
-            <a:ext cx="2333886" cy="5780258"/>
-          </a:xfrm>
-          <a:prstGeom prst="rect">
-            <a:avLst/>
-          </a:prstGeom>
-        </p:spPr>
-      </p:pic>
-    </p:spTree>
-    <p:custDataLst>
-      <p:tags r:id="rId1"/>
-    </p:custDataLst>
-    <p:extLst>
-      <p:ext uri="{BB962C8B-B14F-4D97-AF65-F5344CB8AC3E}">
-        <p14:creationId xmlns:p14="http://schemas.microsoft.com/office/powerpoint/2010/main" val="2902873304"/>
-      </p:ext>
-    </p:extLst>
-  </p:cSld>
-  <p:clrMapOvr>
-    <a:masterClrMapping/>
-  </p:clrMapOvr>
-</p:sld>
-</file>
-
-<file path=ppt/slides/slide13.xml><?xml version="1.0" encoding="utf-8"?>
 <p:sld xmlns:a="http://schemas.openxmlformats.org/drawingml/2006/main" xmlns:r="http://schemas.openxmlformats.org/officeDocument/2006/relationships" xmlns:p="http://schemas.openxmlformats.org/presentationml/2006/main">
   <p:cSld>
     <p:spTree>
@@ -3782,7 +3742,7 @@
           <a:graphicData uri="http://schemas.openxmlformats.org/presentationml/2006/ole">
             <mc:AlternateContent xmlns:mc="http://schemas.openxmlformats.org/markup-compatibility/2006">
               <mc:Choice xmlns:v="urn:schemas-microsoft-com:vml" Requires="v">
-                <p:oleObj spid="_x0000_s3087" name="think-cell Slide" r:id="rId5" imgW="347" imgH="348" progId="TCLayout.ActiveDocument.1">
+                <p:oleObj spid="_x0000_s3090" name="think-cell Slide" r:id="rId5" imgW="347" imgH="348" progId="TCLayout.ActiveDocument.1">
                   <p:embed/>
                 </p:oleObj>
               </mc:Choice>
@@ -3902,10 +3862,9 @@
           <a:lstStyle/>
           <a:p>
             <a:r>
-              <a:rPr lang="zh-CN" altLang="en-US"/>
-              <a:t>技术</a:t>
-            </a:r>
-            <a:endParaRPr lang="zh-CN" altLang="en-US" dirty="0"/>
+              <a:rPr lang="zh-CN" altLang="en-US" dirty="0"/>
+              <a:t>上周完成进度</a:t>
+            </a:r>
           </a:p>
         </p:txBody>
       </p:sp>
@@ -3944,7 +3903,7 @@
           <a:lstStyle/>
           <a:p>
             <a:r>
-              <a:rPr lang="en-US" altLang="zh-CN" spc="100">
+              <a:rPr lang="en-US" altLang="zh-CN" spc="100" dirty="0">
                 <a:solidFill>
                   <a:schemeClr val="accent1"/>
                 </a:solidFill>
@@ -3970,6 +3929,321 @@
     <p:extLst>
       <p:ext uri="{BB962C8B-B14F-4D97-AF65-F5344CB8AC3E}">
         <p14:creationId xmlns:p14="http://schemas.microsoft.com/office/powerpoint/2010/main" val="1259043032"/>
+      </p:ext>
+    </p:extLst>
+  </p:cSld>
+  <p:clrMapOvr>
+    <a:masterClrMapping/>
+  </p:clrMapOvr>
+</p:sld>
+</file>
+
+<file path=ppt/slides/slide13.xml><?xml version="1.0" encoding="utf-8"?>
+<p:sld xmlns:a="http://schemas.openxmlformats.org/drawingml/2006/main" xmlns:r="http://schemas.openxmlformats.org/officeDocument/2006/relationships" xmlns:p="http://schemas.openxmlformats.org/presentationml/2006/main">
+  <p:cSld>
+    <p:spTree>
+      <p:nvGrpSpPr>
+        <p:cNvPr id="1" name="ïŝlíḑè"/>
+        <p:cNvGrpSpPr/>
+        <p:nvPr/>
+      </p:nvGrpSpPr>
+      <p:grpSpPr>
+        <a:xfrm>
+          <a:off x="0" y="0"/>
+          <a:ext cx="0" cy="0"/>
+          <a:chOff x="0" y="0"/>
+          <a:chExt cx="0" cy="0"/>
+        </a:xfrm>
+      </p:grpSpPr>
+      <p:sp>
+        <p:nvSpPr>
+          <p:cNvPr id="2" name="ïṣ1îḑe"/>
+          <p:cNvSpPr>
+            <a:spLocks noGrp="1"/>
+          </p:cNvSpPr>
+          <p:nvPr>
+            <p:ph type="title"/>
+          </p:nvPr>
+        </p:nvSpPr>
+        <p:spPr/>
+        <p:txBody>
+          <a:bodyPr/>
+          <a:lstStyle/>
+          <a:p>
+            <a:r>
+              <a:rPr lang="zh-CN" altLang="en-US" dirty="0"/>
+              <a:t>文档</a:t>
+            </a:r>
+          </a:p>
+        </p:txBody>
+      </p:sp>
+      <p:sp>
+        <p:nvSpPr>
+          <p:cNvPr id="4" name="íṧḻíďè"/>
+          <p:cNvSpPr>
+            <a:spLocks noGrp="1"/>
+          </p:cNvSpPr>
+          <p:nvPr>
+            <p:ph type="sldNum" sz="quarter" idx="12"/>
+          </p:nvPr>
+        </p:nvSpPr>
+        <p:spPr/>
+        <p:txBody>
+          <a:bodyPr/>
+          <a:lstStyle/>
+          <a:p>
+            <a:fld id="{5DD3DB80-B894-403A-B48E-6FDC1A72010E}" type="slidenum">
+              <a:rPr lang="zh-CN" altLang="en-US" smtClean="0"/>
+              <a:pPr/>
+              <a:t>13</a:t>
+            </a:fld>
+            <a:endParaRPr lang="zh-CN" altLang="en-US"/>
+          </a:p>
+        </p:txBody>
+      </p:sp>
+      <p:sp>
+        <p:nvSpPr>
+          <p:cNvPr id="7" name="内容占位符 2">
+            <a:extLst>
+              <a:ext uri="{FF2B5EF4-FFF2-40B4-BE49-F238E27FC236}">
+                <a16:creationId xmlns:a16="http://schemas.microsoft.com/office/drawing/2014/main" id="{D456AC0A-C877-CD9A-EA8E-6F5CB29D8037}"/>
+              </a:ext>
+            </a:extLst>
+          </p:cNvPr>
+          <p:cNvSpPr txBox="1">
+            <a:spLocks/>
+          </p:cNvSpPr>
+          <p:nvPr/>
+        </p:nvSpPr>
+        <p:spPr>
+          <a:xfrm>
+            <a:off x="845127" y="1828800"/>
+            <a:ext cx="10515600" cy="4351337"/>
+          </a:xfrm>
+          <a:prstGeom prst="rect">
+            <a:avLst/>
+          </a:prstGeom>
+        </p:spPr>
+        <p:txBody>
+          <a:bodyPr/>
+          <a:lstStyle>
+            <a:lvl1pPr marL="228589" indent="-228589" algn="l" defTabSz="914354" rtl="0" eaLnBrk="1" latinLnBrk="0" hangingPunct="1">
+              <a:lnSpc>
+                <a:spcPct val="90000"/>
+              </a:lnSpc>
+              <a:spcBef>
+                <a:spcPts val="1000"/>
+              </a:spcBef>
+              <a:buFont typeface="Arial" panose="020B0604020202020204" pitchFamily="34" charset="0"/>
+              <a:buChar char="•"/>
+              <a:defRPr sz="1800" kern="1200">
+                <a:solidFill>
+                  <a:schemeClr val="tx1"/>
+                </a:solidFill>
+                <a:latin typeface="+mn-lt"/>
+                <a:ea typeface="+mn-ea"/>
+                <a:cs typeface="+mn-cs"/>
+              </a:defRPr>
+            </a:lvl1pPr>
+            <a:lvl2pPr marL="685766" indent="-228589" algn="l" defTabSz="914354" rtl="0" eaLnBrk="1" latinLnBrk="0" hangingPunct="1">
+              <a:lnSpc>
+                <a:spcPct val="90000"/>
+              </a:lnSpc>
+              <a:spcBef>
+                <a:spcPts val="500"/>
+              </a:spcBef>
+              <a:buFont typeface="Arial" panose="020B0604020202020204" pitchFamily="34" charset="0"/>
+              <a:buChar char="•"/>
+              <a:defRPr sz="1600" kern="1200">
+                <a:solidFill>
+                  <a:schemeClr val="tx1"/>
+                </a:solidFill>
+                <a:latin typeface="+mn-lt"/>
+                <a:ea typeface="+mn-ea"/>
+                <a:cs typeface="+mn-cs"/>
+              </a:defRPr>
+            </a:lvl2pPr>
+            <a:lvl3pPr marL="1142942" indent="-228589" algn="l" defTabSz="914354" rtl="0" eaLnBrk="1" latinLnBrk="0" hangingPunct="1">
+              <a:lnSpc>
+                <a:spcPct val="90000"/>
+              </a:lnSpc>
+              <a:spcBef>
+                <a:spcPts val="500"/>
+              </a:spcBef>
+              <a:buFont typeface="Arial" panose="020B0604020202020204" pitchFamily="34" charset="0"/>
+              <a:buChar char="•"/>
+              <a:defRPr sz="1400" kern="1200">
+                <a:solidFill>
+                  <a:schemeClr val="tx1"/>
+                </a:solidFill>
+                <a:latin typeface="+mn-lt"/>
+                <a:ea typeface="+mn-ea"/>
+                <a:cs typeface="+mn-cs"/>
+              </a:defRPr>
+            </a:lvl3pPr>
+            <a:lvl4pPr marL="1600120" indent="-228589" algn="l" defTabSz="914354" rtl="0" eaLnBrk="1" latinLnBrk="0" hangingPunct="1">
+              <a:lnSpc>
+                <a:spcPct val="90000"/>
+              </a:lnSpc>
+              <a:spcBef>
+                <a:spcPts val="500"/>
+              </a:spcBef>
+              <a:buFont typeface="Arial" panose="020B0604020202020204" pitchFamily="34" charset="0"/>
+              <a:buChar char="•"/>
+              <a:defRPr sz="1200" kern="1200">
+                <a:solidFill>
+                  <a:schemeClr val="tx1"/>
+                </a:solidFill>
+                <a:latin typeface="+mn-lt"/>
+                <a:ea typeface="+mn-ea"/>
+                <a:cs typeface="+mn-cs"/>
+              </a:defRPr>
+            </a:lvl4pPr>
+            <a:lvl5pPr marL="2057298" indent="-228589" algn="l" defTabSz="914354" rtl="0" eaLnBrk="1" latinLnBrk="0" hangingPunct="1">
+              <a:lnSpc>
+                <a:spcPct val="90000"/>
+              </a:lnSpc>
+              <a:spcBef>
+                <a:spcPts val="500"/>
+              </a:spcBef>
+              <a:buFont typeface="Arial" panose="020B0604020202020204" pitchFamily="34" charset="0"/>
+              <a:buChar char="•"/>
+              <a:defRPr sz="1200" kern="1200">
+                <a:solidFill>
+                  <a:schemeClr val="tx1"/>
+                </a:solidFill>
+                <a:latin typeface="+mn-lt"/>
+                <a:ea typeface="+mn-ea"/>
+                <a:cs typeface="+mn-cs"/>
+              </a:defRPr>
+            </a:lvl5pPr>
+            <a:lvl6pPr marL="2514474" indent="-228589" algn="l" defTabSz="914354" rtl="0" eaLnBrk="1" latinLnBrk="0" hangingPunct="1">
+              <a:lnSpc>
+                <a:spcPct val="90000"/>
+              </a:lnSpc>
+              <a:spcBef>
+                <a:spcPts val="500"/>
+              </a:spcBef>
+              <a:buFont typeface="Arial" panose="020B0604020202020204" pitchFamily="34" charset="0"/>
+              <a:buChar char="•"/>
+              <a:defRPr sz="1800" kern="1200">
+                <a:solidFill>
+                  <a:schemeClr val="tx1"/>
+                </a:solidFill>
+                <a:latin typeface="+mn-lt"/>
+                <a:ea typeface="+mn-ea"/>
+                <a:cs typeface="+mn-cs"/>
+              </a:defRPr>
+            </a:lvl6pPr>
+            <a:lvl7pPr marL="2971652" indent="-228589" algn="l" defTabSz="914354" rtl="0" eaLnBrk="1" latinLnBrk="0" hangingPunct="1">
+              <a:lnSpc>
+                <a:spcPct val="90000"/>
+              </a:lnSpc>
+              <a:spcBef>
+                <a:spcPts val="500"/>
+              </a:spcBef>
+              <a:buFont typeface="Arial" panose="020B0604020202020204" pitchFamily="34" charset="0"/>
+              <a:buChar char="•"/>
+              <a:defRPr sz="1800" kern="1200">
+                <a:solidFill>
+                  <a:schemeClr val="tx1"/>
+                </a:solidFill>
+                <a:latin typeface="+mn-lt"/>
+                <a:ea typeface="+mn-ea"/>
+                <a:cs typeface="+mn-cs"/>
+              </a:defRPr>
+            </a:lvl7pPr>
+            <a:lvl8pPr marL="3428829" indent="-228589" algn="l" defTabSz="914354" rtl="0" eaLnBrk="1" latinLnBrk="0" hangingPunct="1">
+              <a:lnSpc>
+                <a:spcPct val="90000"/>
+              </a:lnSpc>
+              <a:spcBef>
+                <a:spcPts val="500"/>
+              </a:spcBef>
+              <a:buFont typeface="Arial" panose="020B0604020202020204" pitchFamily="34" charset="0"/>
+              <a:buChar char="•"/>
+              <a:defRPr sz="1800" kern="1200">
+                <a:solidFill>
+                  <a:schemeClr val="tx1"/>
+                </a:solidFill>
+                <a:latin typeface="+mn-lt"/>
+                <a:ea typeface="+mn-ea"/>
+                <a:cs typeface="+mn-cs"/>
+              </a:defRPr>
+            </a:lvl8pPr>
+            <a:lvl9pPr marL="3886006" indent="-228589" algn="l" defTabSz="914354" rtl="0" eaLnBrk="1" latinLnBrk="0" hangingPunct="1">
+              <a:lnSpc>
+                <a:spcPct val="90000"/>
+              </a:lnSpc>
+              <a:spcBef>
+                <a:spcPts val="500"/>
+              </a:spcBef>
+              <a:buFont typeface="Arial" panose="020B0604020202020204" pitchFamily="34" charset="0"/>
+              <a:buChar char="•"/>
+              <a:defRPr sz="1800" kern="1200">
+                <a:solidFill>
+                  <a:schemeClr val="tx1"/>
+                </a:solidFill>
+                <a:latin typeface="+mn-lt"/>
+                <a:ea typeface="+mn-ea"/>
+                <a:cs typeface="+mn-cs"/>
+              </a:defRPr>
+            </a:lvl9pPr>
+          </a:lstStyle>
+          <a:p>
+            <a:r>
+              <a:rPr lang="zh-CN" altLang="en-US" sz="2400" dirty="0"/>
+              <a:t>需求规格说明书（</a:t>
+            </a:r>
+            <a:r>
+              <a:rPr lang="en-US" altLang="zh-CN" sz="2400" dirty="0"/>
+              <a:t>V2.0</a:t>
+            </a:r>
+            <a:r>
+              <a:rPr lang="zh-CN" altLang="en-US" sz="2400" dirty="0"/>
+              <a:t>）</a:t>
+            </a:r>
+            <a:endParaRPr lang="zh-CN" altLang="en-US" dirty="0"/>
+          </a:p>
+        </p:txBody>
+      </p:sp>
+      <p:pic>
+        <p:nvPicPr>
+          <p:cNvPr id="3" name="图片 2">
+            <a:extLst>
+              <a:ext uri="{FF2B5EF4-FFF2-40B4-BE49-F238E27FC236}">
+                <a16:creationId xmlns:a16="http://schemas.microsoft.com/office/drawing/2014/main" id="{27073B18-4F64-4C89-9C2E-7CC053CCBEAD}"/>
+              </a:ext>
+            </a:extLst>
+          </p:cNvPr>
+          <p:cNvPicPr>
+            <a:picLocks noChangeAspect="1"/>
+          </p:cNvPicPr>
+          <p:nvPr/>
+        </p:nvPicPr>
+        <p:blipFill>
+          <a:blip r:embed="rId3"/>
+          <a:stretch>
+            <a:fillRect/>
+          </a:stretch>
+        </p:blipFill>
+        <p:spPr>
+          <a:xfrm>
+            <a:off x="5564259" y="1329667"/>
+            <a:ext cx="5520836" cy="5349602"/>
+          </a:xfrm>
+          <a:prstGeom prst="rect">
+            <a:avLst/>
+          </a:prstGeom>
+        </p:spPr>
+      </p:pic>
+    </p:spTree>
+    <p:custDataLst>
+      <p:tags r:id="rId1"/>
+    </p:custDataLst>
+    <p:extLst>
+      <p:ext uri="{BB962C8B-B14F-4D97-AF65-F5344CB8AC3E}">
+        <p14:creationId xmlns:p14="http://schemas.microsoft.com/office/powerpoint/2010/main" val="2760288191"/>
       </p:ext>
     </p:extLst>
   </p:cSld>
@@ -4012,8 +4286,8 @@
           <a:lstStyle/>
           <a:p>
             <a:r>
-              <a:rPr lang="zh-CN" altLang="en-US"/>
-              <a:t>系统架设</a:t>
+              <a:rPr lang="zh-CN" altLang="en-US" dirty="0"/>
+              <a:t>设计说明书</a:t>
             </a:r>
           </a:p>
         </p:txBody>
@@ -4042,288 +4316,43 @@
           </a:p>
         </p:txBody>
       </p:sp>
-      <p:sp>
-        <p:nvSpPr>
-          <p:cNvPr id="7" name="内容占位符 2">
+      <p:pic>
+        <p:nvPicPr>
+          <p:cNvPr id="3" name="图片 2">
             <a:extLst>
               <a:ext uri="{FF2B5EF4-FFF2-40B4-BE49-F238E27FC236}">
-                <a16:creationId xmlns:a16="http://schemas.microsoft.com/office/drawing/2014/main" id="{D456AC0A-C877-CD9A-EA8E-6F5CB29D8037}"/>
+                <a16:creationId xmlns:a16="http://schemas.microsoft.com/office/drawing/2014/main" id="{30B24DE2-51A2-4005-A18D-9145333E363E}"/>
               </a:ext>
             </a:extLst>
           </p:cNvPr>
-          <p:cNvSpPr txBox="1">
-            <a:spLocks/>
-          </p:cNvSpPr>
+          <p:cNvPicPr>
+            <a:picLocks noChangeAspect="1"/>
+          </p:cNvPicPr>
           <p:nvPr/>
-        </p:nvSpPr>
+        </p:nvPicPr>
+        <p:blipFill>
+          <a:blip r:embed="rId3"/>
+          <a:stretch>
+            <a:fillRect/>
+          </a:stretch>
+        </p:blipFill>
         <p:spPr>
           <a:xfrm>
-            <a:off x="845127" y="1828800"/>
-            <a:ext cx="10515600" cy="4351337"/>
+            <a:off x="669924" y="1332283"/>
+            <a:ext cx="10122568" cy="5114561"/>
           </a:xfrm>
           <a:prstGeom prst="rect">
             <a:avLst/>
           </a:prstGeom>
         </p:spPr>
-        <p:txBody>
-          <a:bodyPr/>
-          <a:lstStyle>
-            <a:lvl1pPr marL="228589" indent="-228589" algn="l" defTabSz="914354" rtl="0" eaLnBrk="1" latinLnBrk="0" hangingPunct="1">
-              <a:lnSpc>
-                <a:spcPct val="90000"/>
-              </a:lnSpc>
-              <a:spcBef>
-                <a:spcPts val="1000"/>
-              </a:spcBef>
-              <a:buFont typeface="Arial" panose="020B0604020202020204" pitchFamily="34" charset="0"/>
-              <a:buChar char="•"/>
-              <a:defRPr sz="1800" kern="1200">
-                <a:solidFill>
-                  <a:schemeClr val="tx1"/>
-                </a:solidFill>
-                <a:latin typeface="+mn-lt"/>
-                <a:ea typeface="+mn-ea"/>
-                <a:cs typeface="+mn-cs"/>
-              </a:defRPr>
-            </a:lvl1pPr>
-            <a:lvl2pPr marL="685766" indent="-228589" algn="l" defTabSz="914354" rtl="0" eaLnBrk="1" latinLnBrk="0" hangingPunct="1">
-              <a:lnSpc>
-                <a:spcPct val="90000"/>
-              </a:lnSpc>
-              <a:spcBef>
-                <a:spcPts val="500"/>
-              </a:spcBef>
-              <a:buFont typeface="Arial" panose="020B0604020202020204" pitchFamily="34" charset="0"/>
-              <a:buChar char="•"/>
-              <a:defRPr sz="1600" kern="1200">
-                <a:solidFill>
-                  <a:schemeClr val="tx1"/>
-                </a:solidFill>
-                <a:latin typeface="+mn-lt"/>
-                <a:ea typeface="+mn-ea"/>
-                <a:cs typeface="+mn-cs"/>
-              </a:defRPr>
-            </a:lvl2pPr>
-            <a:lvl3pPr marL="1142942" indent="-228589" algn="l" defTabSz="914354" rtl="0" eaLnBrk="1" latinLnBrk="0" hangingPunct="1">
-              <a:lnSpc>
-                <a:spcPct val="90000"/>
-              </a:lnSpc>
-              <a:spcBef>
-                <a:spcPts val="500"/>
-              </a:spcBef>
-              <a:buFont typeface="Arial" panose="020B0604020202020204" pitchFamily="34" charset="0"/>
-              <a:buChar char="•"/>
-              <a:defRPr sz="1400" kern="1200">
-                <a:solidFill>
-                  <a:schemeClr val="tx1"/>
-                </a:solidFill>
-                <a:latin typeface="+mn-lt"/>
-                <a:ea typeface="+mn-ea"/>
-                <a:cs typeface="+mn-cs"/>
-              </a:defRPr>
-            </a:lvl3pPr>
-            <a:lvl4pPr marL="1600120" indent="-228589" algn="l" defTabSz="914354" rtl="0" eaLnBrk="1" latinLnBrk="0" hangingPunct="1">
-              <a:lnSpc>
-                <a:spcPct val="90000"/>
-              </a:lnSpc>
-              <a:spcBef>
-                <a:spcPts val="500"/>
-              </a:spcBef>
-              <a:buFont typeface="Arial" panose="020B0604020202020204" pitchFamily="34" charset="0"/>
-              <a:buChar char="•"/>
-              <a:defRPr sz="1200" kern="1200">
-                <a:solidFill>
-                  <a:schemeClr val="tx1"/>
-                </a:solidFill>
-                <a:latin typeface="+mn-lt"/>
-                <a:ea typeface="+mn-ea"/>
-                <a:cs typeface="+mn-cs"/>
-              </a:defRPr>
-            </a:lvl4pPr>
-            <a:lvl5pPr marL="2057298" indent="-228589" algn="l" defTabSz="914354" rtl="0" eaLnBrk="1" latinLnBrk="0" hangingPunct="1">
-              <a:lnSpc>
-                <a:spcPct val="90000"/>
-              </a:lnSpc>
-              <a:spcBef>
-                <a:spcPts val="500"/>
-              </a:spcBef>
-              <a:buFont typeface="Arial" panose="020B0604020202020204" pitchFamily="34" charset="0"/>
-              <a:buChar char="•"/>
-              <a:defRPr sz="1200" kern="1200">
-                <a:solidFill>
-                  <a:schemeClr val="tx1"/>
-                </a:solidFill>
-                <a:latin typeface="+mn-lt"/>
-                <a:ea typeface="+mn-ea"/>
-                <a:cs typeface="+mn-cs"/>
-              </a:defRPr>
-            </a:lvl5pPr>
-            <a:lvl6pPr marL="2514474" indent="-228589" algn="l" defTabSz="914354" rtl="0" eaLnBrk="1" latinLnBrk="0" hangingPunct="1">
-              <a:lnSpc>
-                <a:spcPct val="90000"/>
-              </a:lnSpc>
-              <a:spcBef>
-                <a:spcPts val="500"/>
-              </a:spcBef>
-              <a:buFont typeface="Arial" panose="020B0604020202020204" pitchFamily="34" charset="0"/>
-              <a:buChar char="•"/>
-              <a:defRPr sz="1800" kern="1200">
-                <a:solidFill>
-                  <a:schemeClr val="tx1"/>
-                </a:solidFill>
-                <a:latin typeface="+mn-lt"/>
-                <a:ea typeface="+mn-ea"/>
-                <a:cs typeface="+mn-cs"/>
-              </a:defRPr>
-            </a:lvl6pPr>
-            <a:lvl7pPr marL="2971652" indent="-228589" algn="l" defTabSz="914354" rtl="0" eaLnBrk="1" latinLnBrk="0" hangingPunct="1">
-              <a:lnSpc>
-                <a:spcPct val="90000"/>
-              </a:lnSpc>
-              <a:spcBef>
-                <a:spcPts val="500"/>
-              </a:spcBef>
-              <a:buFont typeface="Arial" panose="020B0604020202020204" pitchFamily="34" charset="0"/>
-              <a:buChar char="•"/>
-              <a:defRPr sz="1800" kern="1200">
-                <a:solidFill>
-                  <a:schemeClr val="tx1"/>
-                </a:solidFill>
-                <a:latin typeface="+mn-lt"/>
-                <a:ea typeface="+mn-ea"/>
-                <a:cs typeface="+mn-cs"/>
-              </a:defRPr>
-            </a:lvl7pPr>
-            <a:lvl8pPr marL="3428829" indent="-228589" algn="l" defTabSz="914354" rtl="0" eaLnBrk="1" latinLnBrk="0" hangingPunct="1">
-              <a:lnSpc>
-                <a:spcPct val="90000"/>
-              </a:lnSpc>
-              <a:spcBef>
-                <a:spcPts val="500"/>
-              </a:spcBef>
-              <a:buFont typeface="Arial" panose="020B0604020202020204" pitchFamily="34" charset="0"/>
-              <a:buChar char="•"/>
-              <a:defRPr sz="1800" kern="1200">
-                <a:solidFill>
-                  <a:schemeClr val="tx1"/>
-                </a:solidFill>
-                <a:latin typeface="+mn-lt"/>
-                <a:ea typeface="+mn-ea"/>
-                <a:cs typeface="+mn-cs"/>
-              </a:defRPr>
-            </a:lvl8pPr>
-            <a:lvl9pPr marL="3886006" indent="-228589" algn="l" defTabSz="914354" rtl="0" eaLnBrk="1" latinLnBrk="0" hangingPunct="1">
-              <a:lnSpc>
-                <a:spcPct val="90000"/>
-              </a:lnSpc>
-              <a:spcBef>
-                <a:spcPts val="500"/>
-              </a:spcBef>
-              <a:buFont typeface="Arial" panose="020B0604020202020204" pitchFamily="34" charset="0"/>
-              <a:buChar char="•"/>
-              <a:defRPr sz="1800" kern="1200">
-                <a:solidFill>
-                  <a:schemeClr val="tx1"/>
-                </a:solidFill>
-                <a:latin typeface="+mn-lt"/>
-                <a:ea typeface="+mn-ea"/>
-                <a:cs typeface="+mn-cs"/>
-              </a:defRPr>
-            </a:lvl9pPr>
-          </a:lstStyle>
-          <a:p>
-            <a:r>
-              <a:rPr lang="zh-CN" altLang="en-US" sz="2400"/>
-              <a:t>接入了</a:t>
-            </a:r>
-            <a:r>
-              <a:rPr lang="en-US" altLang="zh-CN" sz="2400"/>
-              <a:t>MySQL</a:t>
-            </a:r>
-            <a:r>
-              <a:rPr lang="zh-CN" altLang="en-US" sz="2400"/>
-              <a:t>云数据库，</a:t>
-            </a:r>
-            <a:r>
-              <a:rPr lang="en-US" altLang="zh-CN" sz="2400"/>
-              <a:t>MongoDB</a:t>
-            </a:r>
-            <a:r>
-              <a:rPr lang="zh-CN" altLang="en-US" sz="2400"/>
-              <a:t>云数据库</a:t>
-            </a:r>
-            <a:endParaRPr lang="en-US" altLang="zh-CN" sz="2400"/>
-          </a:p>
-          <a:p>
-            <a:pPr lvl="1"/>
-            <a:r>
-              <a:rPr lang="zh-CN" altLang="en-US" sz="2400"/>
-              <a:t>数据统一，无需频繁使用</a:t>
-            </a:r>
-            <a:r>
-              <a:rPr lang="en-US" altLang="zh-CN" sz="2400"/>
-              <a:t>sql</a:t>
-            </a:r>
-            <a:r>
-              <a:rPr lang="zh-CN" altLang="en-US" sz="2400"/>
-              <a:t>脚本基本更新数据库数</a:t>
-            </a:r>
-            <a:endParaRPr lang="en-US" altLang="zh-CN" sz="2400"/>
-          </a:p>
-          <a:p>
-            <a:r>
-              <a:rPr lang="zh-CN" altLang="en-US" sz="2400"/>
-              <a:t>短信平台</a:t>
-            </a:r>
-            <a:endParaRPr lang="en-US" altLang="zh-CN" sz="2400"/>
-          </a:p>
-          <a:p>
-            <a:pPr lvl="1"/>
-            <a:r>
-              <a:rPr lang="zh-CN" altLang="en-US" sz="2400"/>
-              <a:t>验证码登录等</a:t>
-            </a:r>
-            <a:endParaRPr lang="en-US" altLang="zh-CN" sz="2400"/>
-          </a:p>
-          <a:p>
-            <a:pPr lvl="1"/>
-            <a:r>
-              <a:rPr lang="zh-CN" altLang="en-US" sz="2400"/>
-              <a:t>还未充值，暂时使用钉钉机器人辅助测试</a:t>
-            </a:r>
-            <a:endParaRPr lang="en-US" altLang="zh-CN" sz="2400"/>
-          </a:p>
-          <a:p>
-            <a:r>
-              <a:rPr lang="zh-CN" altLang="en-US" sz="2400"/>
-              <a:t>文件配置，</a:t>
-            </a:r>
-            <a:r>
-              <a:rPr lang="en-US" altLang="zh-CN" sz="2400"/>
-              <a:t>Minio</a:t>
-            </a:r>
-          </a:p>
-          <a:p>
-            <a:pPr lvl="1"/>
-            <a:r>
-              <a:rPr lang="zh-CN" altLang="en-US" sz="2400"/>
-              <a:t>本地测试，需要部署在云平台上？</a:t>
-            </a:r>
-            <a:endParaRPr lang="en-US" altLang="zh-CN" sz="2400"/>
-          </a:p>
-          <a:p>
-            <a:pPr lvl="1"/>
-            <a:endParaRPr lang="zh-CN" altLang="en-US" dirty="0"/>
-          </a:p>
-        </p:txBody>
-      </p:sp>
+      </p:pic>
     </p:spTree>
     <p:custDataLst>
       <p:tags r:id="rId1"/>
     </p:custDataLst>
     <p:extLst>
       <p:ext uri="{BB962C8B-B14F-4D97-AF65-F5344CB8AC3E}">
-        <p14:creationId xmlns:p14="http://schemas.microsoft.com/office/powerpoint/2010/main" val="2760288191"/>
+        <p14:creationId xmlns:p14="http://schemas.microsoft.com/office/powerpoint/2010/main" val="2249714771"/>
       </p:ext>
     </p:extLst>
   </p:cSld>
@@ -4366,8 +4395,8 @@
           <a:lstStyle/>
           <a:p>
             <a:r>
-              <a:rPr lang="zh-CN" altLang="en-US"/>
-              <a:t>存入角色与菜单信息并分配</a:t>
+              <a:rPr lang="zh-CN" altLang="en-US" dirty="0"/>
+              <a:t>测试报告</a:t>
             </a:r>
           </a:p>
         </p:txBody>
@@ -4401,7 +4430,7 @@
           <p:cNvPr id="5" name="图片 4">
             <a:extLst>
               <a:ext uri="{FF2B5EF4-FFF2-40B4-BE49-F238E27FC236}">
-                <a16:creationId xmlns:a16="http://schemas.microsoft.com/office/drawing/2014/main" id="{9E569B14-EFE9-752F-96BB-73B30BC8773C}"/>
+                <a16:creationId xmlns:a16="http://schemas.microsoft.com/office/drawing/2014/main" id="{A4718C38-B650-4734-AF9D-C92931DF8267}"/>
               </a:ext>
             </a:extLst>
           </p:cNvPr>
@@ -4418,67 +4447,8 @@
         </p:blipFill>
         <p:spPr>
           <a:xfrm>
-            <a:off x="918145" y="1692240"/>
-            <a:ext cx="4142857" cy="1800000"/>
-          </a:xfrm>
-          <a:prstGeom prst="rect">
-            <a:avLst/>
-          </a:prstGeom>
-        </p:spPr>
-      </p:pic>
-      <p:pic>
-        <p:nvPicPr>
-          <p:cNvPr id="6" name="图片 5">
-            <a:extLst>
-              <a:ext uri="{FF2B5EF4-FFF2-40B4-BE49-F238E27FC236}">
-                <a16:creationId xmlns:a16="http://schemas.microsoft.com/office/drawing/2014/main" id="{8AA45862-54BA-B803-4F6C-663A8325F25A}"/>
-              </a:ext>
-            </a:extLst>
-          </p:cNvPr>
-          <p:cNvPicPr>
-            <a:picLocks noChangeAspect="1"/>
-          </p:cNvPicPr>
-          <p:nvPr/>
-        </p:nvPicPr>
-        <p:blipFill>
-          <a:blip r:embed="rId4"/>
-          <a:stretch>
-            <a:fillRect/>
-          </a:stretch>
-        </p:blipFill>
-        <p:spPr>
-          <a:xfrm>
-            <a:off x="918145" y="3918705"/>
-            <a:ext cx="2533333" cy="1923810"/>
-          </a:xfrm>
-          <a:prstGeom prst="rect">
-            <a:avLst/>
-          </a:prstGeom>
-        </p:spPr>
-      </p:pic>
-      <p:pic>
-        <p:nvPicPr>
-          <p:cNvPr id="8" name="图片 7">
-            <a:extLst>
-              <a:ext uri="{FF2B5EF4-FFF2-40B4-BE49-F238E27FC236}">
-                <a16:creationId xmlns:a16="http://schemas.microsoft.com/office/drawing/2014/main" id="{59FA8949-DEA4-9C80-603F-BD4F01919D44}"/>
-              </a:ext>
-            </a:extLst>
-          </p:cNvPr>
-          <p:cNvPicPr>
-            <a:picLocks noChangeAspect="1"/>
-          </p:cNvPicPr>
-          <p:nvPr/>
-        </p:nvPicPr>
-        <p:blipFill rotWithShape="1">
-          <a:blip r:embed="rId5"/>
-          <a:srcRect r="11406"/>
-          <a:stretch/>
-        </p:blipFill>
-        <p:spPr>
-          <a:xfrm>
-            <a:off x="7895565" y="492240"/>
-            <a:ext cx="4142857" cy="6000000"/>
+            <a:off x="669924" y="1128698"/>
+            <a:ext cx="10716126" cy="5318146"/>
           </a:xfrm>
           <a:prstGeom prst="rect">
             <a:avLst/>
@@ -4491,7 +4461,7 @@
     </p:custDataLst>
     <p:extLst>
       <p:ext uri="{BB962C8B-B14F-4D97-AF65-F5344CB8AC3E}">
-        <p14:creationId xmlns:p14="http://schemas.microsoft.com/office/powerpoint/2010/main" val="201000156"/>
+        <p14:creationId xmlns:p14="http://schemas.microsoft.com/office/powerpoint/2010/main" val="2401207515"/>
       </p:ext>
     </p:extLst>
   </p:cSld>
@@ -4534,8 +4504,8 @@
           <a:lstStyle/>
           <a:p>
             <a:r>
-              <a:rPr lang="zh-CN" altLang="en-US"/>
-              <a:t>编写相关接口</a:t>
+              <a:rPr lang="zh-CN" altLang="en-US" dirty="0"/>
+              <a:t>项目研发报告（技术部分）</a:t>
             </a:r>
           </a:p>
         </p:txBody>
@@ -4564,272 +4534,12 @@
           </a:p>
         </p:txBody>
       </p:sp>
-      <p:sp>
-        <p:nvSpPr>
-          <p:cNvPr id="5" name="内容占位符 2">
+      <p:pic>
+        <p:nvPicPr>
+          <p:cNvPr id="5" name="图片 4">
             <a:extLst>
               <a:ext uri="{FF2B5EF4-FFF2-40B4-BE49-F238E27FC236}">
-                <a16:creationId xmlns:a16="http://schemas.microsoft.com/office/drawing/2014/main" id="{CEA54491-D06A-70D5-85C4-154B486D76A0}"/>
-              </a:ext>
-            </a:extLst>
-          </p:cNvPr>
-          <p:cNvSpPr txBox="1">
-            <a:spLocks/>
-          </p:cNvSpPr>
-          <p:nvPr/>
-        </p:nvSpPr>
-        <p:spPr>
-          <a:xfrm>
-            <a:off x="997527" y="1981200"/>
-            <a:ext cx="10515600" cy="4351337"/>
-          </a:xfrm>
-          <a:prstGeom prst="rect">
-            <a:avLst/>
-          </a:prstGeom>
-        </p:spPr>
-        <p:txBody>
-          <a:bodyPr/>
-          <a:lstStyle>
-            <a:lvl1pPr marL="228589" indent="-228589" algn="l" defTabSz="914354" rtl="0" eaLnBrk="1" latinLnBrk="0" hangingPunct="1">
-              <a:lnSpc>
-                <a:spcPct val="90000"/>
-              </a:lnSpc>
-              <a:spcBef>
-                <a:spcPts val="1000"/>
-              </a:spcBef>
-              <a:buFont typeface="Arial" panose="020B0604020202020204" pitchFamily="34" charset="0"/>
-              <a:buChar char="•"/>
-              <a:defRPr sz="1800" kern="1200">
-                <a:solidFill>
-                  <a:schemeClr val="tx1"/>
-                </a:solidFill>
-                <a:latin typeface="+mn-lt"/>
-                <a:ea typeface="+mn-ea"/>
-                <a:cs typeface="+mn-cs"/>
-              </a:defRPr>
-            </a:lvl1pPr>
-            <a:lvl2pPr marL="685766" indent="-228589" algn="l" defTabSz="914354" rtl="0" eaLnBrk="1" latinLnBrk="0" hangingPunct="1">
-              <a:lnSpc>
-                <a:spcPct val="90000"/>
-              </a:lnSpc>
-              <a:spcBef>
-                <a:spcPts val="500"/>
-              </a:spcBef>
-              <a:buFont typeface="Arial" panose="020B0604020202020204" pitchFamily="34" charset="0"/>
-              <a:buChar char="•"/>
-              <a:defRPr sz="1600" kern="1200">
-                <a:solidFill>
-                  <a:schemeClr val="tx1"/>
-                </a:solidFill>
-                <a:latin typeface="+mn-lt"/>
-                <a:ea typeface="+mn-ea"/>
-                <a:cs typeface="+mn-cs"/>
-              </a:defRPr>
-            </a:lvl2pPr>
-            <a:lvl3pPr marL="1142942" indent="-228589" algn="l" defTabSz="914354" rtl="0" eaLnBrk="1" latinLnBrk="0" hangingPunct="1">
-              <a:lnSpc>
-                <a:spcPct val="90000"/>
-              </a:lnSpc>
-              <a:spcBef>
-                <a:spcPts val="500"/>
-              </a:spcBef>
-              <a:buFont typeface="Arial" panose="020B0604020202020204" pitchFamily="34" charset="0"/>
-              <a:buChar char="•"/>
-              <a:defRPr sz="1400" kern="1200">
-                <a:solidFill>
-                  <a:schemeClr val="tx1"/>
-                </a:solidFill>
-                <a:latin typeface="+mn-lt"/>
-                <a:ea typeface="+mn-ea"/>
-                <a:cs typeface="+mn-cs"/>
-              </a:defRPr>
-            </a:lvl3pPr>
-            <a:lvl4pPr marL="1600120" indent="-228589" algn="l" defTabSz="914354" rtl="0" eaLnBrk="1" latinLnBrk="0" hangingPunct="1">
-              <a:lnSpc>
-                <a:spcPct val="90000"/>
-              </a:lnSpc>
-              <a:spcBef>
-                <a:spcPts val="500"/>
-              </a:spcBef>
-              <a:buFont typeface="Arial" panose="020B0604020202020204" pitchFamily="34" charset="0"/>
-              <a:buChar char="•"/>
-              <a:defRPr sz="1200" kern="1200">
-                <a:solidFill>
-                  <a:schemeClr val="tx1"/>
-                </a:solidFill>
-                <a:latin typeface="+mn-lt"/>
-                <a:ea typeface="+mn-ea"/>
-                <a:cs typeface="+mn-cs"/>
-              </a:defRPr>
-            </a:lvl4pPr>
-            <a:lvl5pPr marL="2057298" indent="-228589" algn="l" defTabSz="914354" rtl="0" eaLnBrk="1" latinLnBrk="0" hangingPunct="1">
-              <a:lnSpc>
-                <a:spcPct val="90000"/>
-              </a:lnSpc>
-              <a:spcBef>
-                <a:spcPts val="500"/>
-              </a:spcBef>
-              <a:buFont typeface="Arial" panose="020B0604020202020204" pitchFamily="34" charset="0"/>
-              <a:buChar char="•"/>
-              <a:defRPr sz="1200" kern="1200">
-                <a:solidFill>
-                  <a:schemeClr val="tx1"/>
-                </a:solidFill>
-                <a:latin typeface="+mn-lt"/>
-                <a:ea typeface="+mn-ea"/>
-                <a:cs typeface="+mn-cs"/>
-              </a:defRPr>
-            </a:lvl5pPr>
-            <a:lvl6pPr marL="2514474" indent="-228589" algn="l" defTabSz="914354" rtl="0" eaLnBrk="1" latinLnBrk="0" hangingPunct="1">
-              <a:lnSpc>
-                <a:spcPct val="90000"/>
-              </a:lnSpc>
-              <a:spcBef>
-                <a:spcPts val="500"/>
-              </a:spcBef>
-              <a:buFont typeface="Arial" panose="020B0604020202020204" pitchFamily="34" charset="0"/>
-              <a:buChar char="•"/>
-              <a:defRPr sz="1800" kern="1200">
-                <a:solidFill>
-                  <a:schemeClr val="tx1"/>
-                </a:solidFill>
-                <a:latin typeface="+mn-lt"/>
-                <a:ea typeface="+mn-ea"/>
-                <a:cs typeface="+mn-cs"/>
-              </a:defRPr>
-            </a:lvl6pPr>
-            <a:lvl7pPr marL="2971652" indent="-228589" algn="l" defTabSz="914354" rtl="0" eaLnBrk="1" latinLnBrk="0" hangingPunct="1">
-              <a:lnSpc>
-                <a:spcPct val="90000"/>
-              </a:lnSpc>
-              <a:spcBef>
-                <a:spcPts val="500"/>
-              </a:spcBef>
-              <a:buFont typeface="Arial" panose="020B0604020202020204" pitchFamily="34" charset="0"/>
-              <a:buChar char="•"/>
-              <a:defRPr sz="1800" kern="1200">
-                <a:solidFill>
-                  <a:schemeClr val="tx1"/>
-                </a:solidFill>
-                <a:latin typeface="+mn-lt"/>
-                <a:ea typeface="+mn-ea"/>
-                <a:cs typeface="+mn-cs"/>
-              </a:defRPr>
-            </a:lvl7pPr>
-            <a:lvl8pPr marL="3428829" indent="-228589" algn="l" defTabSz="914354" rtl="0" eaLnBrk="1" latinLnBrk="0" hangingPunct="1">
-              <a:lnSpc>
-                <a:spcPct val="90000"/>
-              </a:lnSpc>
-              <a:spcBef>
-                <a:spcPts val="500"/>
-              </a:spcBef>
-              <a:buFont typeface="Arial" panose="020B0604020202020204" pitchFamily="34" charset="0"/>
-              <a:buChar char="•"/>
-              <a:defRPr sz="1800" kern="1200">
-                <a:solidFill>
-                  <a:schemeClr val="tx1"/>
-                </a:solidFill>
-                <a:latin typeface="+mn-lt"/>
-                <a:ea typeface="+mn-ea"/>
-                <a:cs typeface="+mn-cs"/>
-              </a:defRPr>
-            </a:lvl8pPr>
-            <a:lvl9pPr marL="3886006" indent="-228589" algn="l" defTabSz="914354" rtl="0" eaLnBrk="1" latinLnBrk="0" hangingPunct="1">
-              <a:lnSpc>
-                <a:spcPct val="90000"/>
-              </a:lnSpc>
-              <a:spcBef>
-                <a:spcPts val="500"/>
-              </a:spcBef>
-              <a:buFont typeface="Arial" panose="020B0604020202020204" pitchFamily="34" charset="0"/>
-              <a:buChar char="•"/>
-              <a:defRPr sz="1800" kern="1200">
-                <a:solidFill>
-                  <a:schemeClr val="tx1"/>
-                </a:solidFill>
-                <a:latin typeface="+mn-lt"/>
-                <a:ea typeface="+mn-ea"/>
-                <a:cs typeface="+mn-cs"/>
-              </a:defRPr>
-            </a:lvl9pPr>
-          </a:lstStyle>
-          <a:p>
-            <a:r>
-              <a:rPr lang="zh-CN" altLang="en-US" sz="2000"/>
-              <a:t>认证</a:t>
-            </a:r>
-            <a:endParaRPr lang="en-US" altLang="zh-CN" sz="2000"/>
-          </a:p>
-          <a:p>
-            <a:pPr lvl="1"/>
-            <a:r>
-              <a:rPr lang="zh-CN" altLang="en-US" sz="2000"/>
-              <a:t>登录（账号密码，手机号密码，手机号验证码等）</a:t>
-            </a:r>
-            <a:endParaRPr lang="en-US" altLang="zh-CN" sz="2000"/>
-          </a:p>
-          <a:p>
-            <a:pPr lvl="1"/>
-            <a:r>
-              <a:rPr lang="zh-CN" altLang="en-US" sz="2000"/>
-              <a:t>重置密码，获取菜单</a:t>
-            </a:r>
-            <a:endParaRPr lang="en-US" altLang="zh-CN" sz="2000"/>
-          </a:p>
-          <a:p>
-            <a:r>
-              <a:rPr lang="zh-CN" altLang="en-US" sz="2000"/>
-              <a:t>公司，公司客户关联：</a:t>
-            </a:r>
-            <a:endParaRPr lang="en-US" altLang="zh-CN" sz="2000"/>
-          </a:p>
-          <a:p>
-            <a:pPr lvl="1"/>
-            <a:r>
-              <a:rPr lang="zh-CN" altLang="en-US" sz="2000"/>
-              <a:t>后台：增删查改</a:t>
-            </a:r>
-            <a:endParaRPr lang="en-US" altLang="zh-CN" sz="2000"/>
-          </a:p>
-          <a:p>
-            <a:pPr lvl="1"/>
-            <a:r>
-              <a:rPr lang="zh-CN" altLang="en-US" sz="2000"/>
-              <a:t>前台：公司认证（升级为客户）</a:t>
-            </a:r>
-            <a:endParaRPr lang="en-US" altLang="zh-CN" sz="2000"/>
-          </a:p>
-          <a:p>
-            <a:r>
-              <a:rPr lang="zh-CN" altLang="en-US" sz="2000"/>
-              <a:t>委托与流程</a:t>
-            </a:r>
-            <a:endParaRPr lang="en-US" altLang="zh-CN" sz="2000"/>
-          </a:p>
-          <a:p>
-            <a:pPr lvl="2"/>
-            <a:r>
-              <a:rPr lang="zh-CN" altLang="en-US" sz="2000"/>
-              <a:t>后台：增删查改</a:t>
-            </a:r>
-            <a:endParaRPr lang="en-US" altLang="zh-CN" sz="2000"/>
-          </a:p>
-          <a:p>
-            <a:pPr lvl="2"/>
-            <a:r>
-              <a:rPr lang="zh-CN" altLang="en-US" sz="2000"/>
-              <a:t>前台：创建委托申请，填写委托，查询委托等</a:t>
-            </a:r>
-            <a:endParaRPr lang="en-US" altLang="zh-CN" sz="2000" dirty="0"/>
-          </a:p>
-        </p:txBody>
-      </p:sp>
-      <p:pic>
-        <p:nvPicPr>
-          <p:cNvPr id="6" name="图片 5">
-            <a:extLst>
-              <a:ext uri="{FF2B5EF4-FFF2-40B4-BE49-F238E27FC236}">
-                <a16:creationId xmlns:a16="http://schemas.microsoft.com/office/drawing/2014/main" id="{4709295D-4F12-66B4-5890-5F9CA8289B4C}"/>
+                <a16:creationId xmlns:a16="http://schemas.microsoft.com/office/drawing/2014/main" id="{CA04E507-E22C-4F88-8535-9B079F40C4C5}"/>
               </a:ext>
             </a:extLst>
           </p:cNvPr>
@@ -4846,8 +4556,8 @@
         </p:blipFill>
         <p:spPr>
           <a:xfrm>
-            <a:off x="8683171" y="1028541"/>
-            <a:ext cx="2895238" cy="1952381"/>
+            <a:off x="166521" y="1051055"/>
+            <a:ext cx="10684042" cy="5395789"/>
           </a:xfrm>
           <a:prstGeom prst="rect">
             <a:avLst/>
@@ -4860,7 +4570,7 @@
     </p:custDataLst>
     <p:extLst>
       <p:ext uri="{BB962C8B-B14F-4D97-AF65-F5344CB8AC3E}">
-        <p14:creationId xmlns:p14="http://schemas.microsoft.com/office/powerpoint/2010/main" val="351701671"/>
+        <p14:creationId xmlns:p14="http://schemas.microsoft.com/office/powerpoint/2010/main" val="3593720169"/>
       </p:ext>
     </p:extLst>
   </p:cSld>
@@ -4875,7 +4585,7 @@
   <p:cSld>
     <p:spTree>
       <p:nvGrpSpPr>
-        <p:cNvPr id="1" name="ïŝlíḑè"/>
+        <p:cNvPr id="1" name=""/>
         <p:cNvGrpSpPr/>
         <p:nvPr/>
       </p:nvGrpSpPr>
@@ -4889,7 +4599,13 @@
       </p:grpSpPr>
       <p:sp>
         <p:nvSpPr>
-          <p:cNvPr id="2" name="ïṣ1îḑe"/>
+          <p:cNvPr id="2" name="标题 1">
+            <a:extLst>
+              <a:ext uri="{FF2B5EF4-FFF2-40B4-BE49-F238E27FC236}">
+                <a16:creationId xmlns:a16="http://schemas.microsoft.com/office/drawing/2014/main" id="{CFA3311B-A705-44EB-84D5-5C948270F6F9}"/>
+              </a:ext>
+            </a:extLst>
+          </p:cNvPr>
           <p:cNvSpPr>
             <a:spLocks noGrp="1"/>
           </p:cNvSpPr>
@@ -4903,7 +4619,7 @@
           <a:lstStyle/>
           <a:p>
             <a:r>
-              <a:rPr lang="zh-CN" altLang="en-US"/>
+              <a:rPr lang="zh-CN" altLang="en-US" dirty="0"/>
               <a:t>本周开发记录</a:t>
             </a:r>
           </a:p>
@@ -4911,7 +4627,13 @@
       </p:sp>
       <p:sp>
         <p:nvSpPr>
-          <p:cNvPr id="4" name="íṧḻíďè"/>
+          <p:cNvPr id="4" name="灯片编号占位符 3">
+            <a:extLst>
+              <a:ext uri="{FF2B5EF4-FFF2-40B4-BE49-F238E27FC236}">
+                <a16:creationId xmlns:a16="http://schemas.microsoft.com/office/drawing/2014/main" id="{A607B6F0-A001-4519-B1A1-FB08B8B24F01}"/>
+              </a:ext>
+            </a:extLst>
+          </p:cNvPr>
           <p:cNvSpPr>
             <a:spLocks noGrp="1"/>
           </p:cNvSpPr>
@@ -4935,10 +4657,10 @@
       </p:sp>
       <p:pic>
         <p:nvPicPr>
-          <p:cNvPr id="7" name="图片 6">
+          <p:cNvPr id="6" name="图片 5">
             <a:extLst>
               <a:ext uri="{FF2B5EF4-FFF2-40B4-BE49-F238E27FC236}">
-                <a16:creationId xmlns:a16="http://schemas.microsoft.com/office/drawing/2014/main" id="{29516A68-2C84-81F1-87D5-102820A4049E}"/>
+                <a16:creationId xmlns:a16="http://schemas.microsoft.com/office/drawing/2014/main" id="{A64ED4ED-5346-433B-9889-013A3EDFB489}"/>
               </a:ext>
             </a:extLst>
           </p:cNvPr>
@@ -4948,75 +4670,21 @@
           <p:nvPr/>
         </p:nvPicPr>
         <p:blipFill>
-          <a:blip r:embed="rId3"/>
+          <a:blip r:embed="rId2">
+            <a:extLst>
+              <a:ext uri="{28A0092B-C50C-407E-A947-70E740481C1C}">
+                <a14:useLocalDpi xmlns:a14="http://schemas.microsoft.com/office/drawing/2010/main" val="0"/>
+              </a:ext>
+            </a:extLst>
+          </a:blip>
           <a:stretch>
             <a:fillRect/>
           </a:stretch>
         </p:blipFill>
         <p:spPr>
           <a:xfrm>
-            <a:off x="15240" y="2385236"/>
-            <a:ext cx="7590476" cy="2819048"/>
-          </a:xfrm>
-          <a:prstGeom prst="rect">
-            <a:avLst/>
-          </a:prstGeom>
-        </p:spPr>
-      </p:pic>
-      <p:pic>
-        <p:nvPicPr>
-          <p:cNvPr id="8" name="图片 7">
-            <a:extLst>
-              <a:ext uri="{FF2B5EF4-FFF2-40B4-BE49-F238E27FC236}">
-                <a16:creationId xmlns:a16="http://schemas.microsoft.com/office/drawing/2014/main" id="{363DC2CA-56CB-2281-5063-BCF6F4E8C9B6}"/>
-              </a:ext>
-            </a:extLst>
-          </p:cNvPr>
-          <p:cNvPicPr>
-            <a:picLocks noChangeAspect="1"/>
-          </p:cNvPicPr>
-          <p:nvPr/>
-        </p:nvPicPr>
-        <p:blipFill>
-          <a:blip r:embed="rId4"/>
-          <a:stretch>
-            <a:fillRect/>
-          </a:stretch>
-        </p:blipFill>
-        <p:spPr>
-          <a:xfrm>
-            <a:off x="7478473" y="0"/>
-            <a:ext cx="2412185" cy="6858000"/>
-          </a:xfrm>
-          <a:prstGeom prst="rect">
-            <a:avLst/>
-          </a:prstGeom>
-        </p:spPr>
-      </p:pic>
-      <p:pic>
-        <p:nvPicPr>
-          <p:cNvPr id="9" name="图片 8">
-            <a:extLst>
-              <a:ext uri="{FF2B5EF4-FFF2-40B4-BE49-F238E27FC236}">
-                <a16:creationId xmlns:a16="http://schemas.microsoft.com/office/drawing/2014/main" id="{BBC0D7F8-3612-5D26-E276-3B93B6711CDC}"/>
-              </a:ext>
-            </a:extLst>
-          </p:cNvPr>
-          <p:cNvPicPr>
-            <a:picLocks noChangeAspect="1"/>
-          </p:cNvPicPr>
-          <p:nvPr/>
-        </p:nvPicPr>
-        <p:blipFill>
-          <a:blip r:embed="rId5"/>
-          <a:stretch>
-            <a:fillRect/>
-          </a:stretch>
-        </p:blipFill>
-        <p:spPr>
-          <a:xfrm>
-            <a:off x="9890658" y="0"/>
-            <a:ext cx="2301342" cy="6858000"/>
+            <a:off x="380749" y="1440281"/>
+            <a:ext cx="10874644" cy="2794836"/>
           </a:xfrm>
           <a:prstGeom prst="rect">
             <a:avLst/>
@@ -5024,12 +4692,9 @@
         </p:spPr>
       </p:pic>
     </p:spTree>
-    <p:custDataLst>
-      <p:tags r:id="rId1"/>
-    </p:custDataLst>
     <p:extLst>
       <p:ext uri="{BB962C8B-B14F-4D97-AF65-F5344CB8AC3E}">
-        <p14:creationId xmlns:p14="http://schemas.microsoft.com/office/powerpoint/2010/main" val="2249714771"/>
+        <p14:creationId xmlns:p14="http://schemas.microsoft.com/office/powerpoint/2010/main" val="1312174857"/>
       </p:ext>
     </p:extLst>
   </p:cSld>
@@ -5078,7 +4743,7 @@
           <a:graphicData uri="http://schemas.openxmlformats.org/presentationml/2006/ole">
             <mc:AlternateContent xmlns:mc="http://schemas.openxmlformats.org/markup-compatibility/2006">
               <mc:Choice xmlns:v="urn:schemas-microsoft-com:vml" Requires="v">
-                <p:oleObj spid="_x0000_s4100" name="think-cell Slide" r:id="rId4" imgW="347" imgH="348" progId="TCLayout.ActiveDocument.1">
+                <p:oleObj spid="_x0000_s4103" name="think-cell Slide" r:id="rId4" imgW="347" imgH="348" progId="TCLayout.ActiveDocument.1">
                   <p:embed/>
                 </p:oleObj>
               </mc:Choice>
@@ -6140,7 +5805,7 @@
             <a:pPr algn="l"/>
             <a:r>
               <a:rPr lang="zh-CN" altLang="en-US" sz="2000" dirty="0"/>
-              <a:t>进度汇总</a:t>
+              <a:t>进度汇总（按周报时间点）</a:t>
             </a:r>
             <a:endParaRPr lang="en-US" altLang="zh-CN" sz="2000" dirty="0"/>
           </a:p>
@@ -6220,10 +5885,9 @@
               <a:buChar char="•"/>
             </a:pPr>
             <a:r>
-              <a:rPr lang="en-US" altLang="zh-CN" sz="2000"/>
+              <a:rPr lang="en-US" altLang="zh-CN" sz="2000" dirty="0"/>
               <a:t>5.30</a:t>
             </a:r>
-            <a:endParaRPr lang="en-US" altLang="zh-CN" sz="2000" dirty="0"/>
           </a:p>
           <a:p>
             <a:pPr algn="l"/>
@@ -6359,10 +6023,9 @@
           <a:lstStyle/>
           <a:p>
             <a:r>
-              <a:rPr lang="zh-CN" altLang="en-US" sz="3200"/>
-              <a:t>需求</a:t>
-            </a:r>
-            <a:endParaRPr lang="zh-CN" altLang="en-US" sz="3200" dirty="0"/>
+              <a:rPr lang="zh-CN" altLang="en-US" sz="3200" dirty="0"/>
+              <a:t>进度汇总</a:t>
+            </a:r>
           </a:p>
         </p:txBody>
       </p:sp>
@@ -6469,9 +6132,10 @@
           <a:lstStyle/>
           <a:p>
             <a:r>
-              <a:rPr lang="zh-CN" altLang="en-US"/>
-              <a:t>数据表（业务）</a:t>
-            </a:r>
+              <a:rPr lang="en-US" altLang="zh-CN" dirty="0"/>
+              <a:t>4.11</a:t>
+            </a:r>
+            <a:endParaRPr lang="zh-CN" altLang="en-US" dirty="0"/>
           </a:p>
         </p:txBody>
       </p:sp>
@@ -6515,8 +6179,8 @@
         </p:nvSpPr>
         <p:spPr>
           <a:xfrm>
-            <a:off x="473074" y="1377372"/>
-            <a:ext cx="4533900" cy="4514418"/>
+            <a:off x="473073" y="1377372"/>
+            <a:ext cx="11542463" cy="4514418"/>
           </a:xfrm>
           <a:prstGeom prst="rect">
             <a:avLst/>
@@ -6690,49 +6354,75 @@
           </a:lstStyle>
           <a:p>
             <a:r>
-              <a:rPr lang="zh-CN" altLang="en-US" sz="2400"/>
-              <a:t>维护用户、角色、权限、委托、合同、样品、技术表格等数据的存储与映射关系</a:t>
-            </a:r>
+              <a:rPr lang="en-US" altLang="zh-CN" sz="2400" dirty="0"/>
+              <a:t>4.3</a:t>
+            </a:r>
+            <a:r>
+              <a:rPr lang="zh-CN" altLang="en-US" sz="2400" dirty="0"/>
+              <a:t> 项目搭建</a:t>
+            </a:r>
+            <a:endParaRPr lang="en-US" altLang="zh-CN" sz="2400" dirty="0"/>
+          </a:p>
+          <a:p>
+            <a:r>
+              <a:rPr lang="en-US" altLang="zh-CN" sz="2400" dirty="0"/>
+              <a:t>4.4 </a:t>
+            </a:r>
+            <a:r>
+              <a:rPr lang="zh-CN" altLang="en-US" sz="2400" dirty="0"/>
+              <a:t>添加</a:t>
+            </a:r>
+            <a:r>
+              <a:rPr lang="en-US" altLang="zh-CN" sz="2400" dirty="0"/>
+              <a:t>Shiro</a:t>
+            </a:r>
+            <a:r>
+              <a:rPr lang="zh-CN" altLang="en-US" sz="2400" dirty="0"/>
+              <a:t>安全框架，并完成相关配置编写</a:t>
+            </a:r>
+            <a:endParaRPr lang="en-US" altLang="zh-CN" sz="2400" dirty="0"/>
+          </a:p>
+          <a:p>
+            <a:r>
+              <a:rPr lang="en-US" altLang="zh-CN" sz="2400" dirty="0"/>
+              <a:t>4.5 </a:t>
+            </a:r>
+            <a:r>
+              <a:rPr lang="zh-CN" altLang="en-US" sz="2400" dirty="0"/>
+              <a:t>编写简单的用户登录功能测试</a:t>
+            </a:r>
+            <a:endParaRPr lang="en-US" altLang="zh-CN" sz="2400" dirty="0"/>
+          </a:p>
+          <a:p>
+            <a:r>
+              <a:rPr lang="en-US" altLang="zh-CN" sz="2400" dirty="0"/>
+              <a:t>4.6 </a:t>
+            </a:r>
+            <a:r>
+              <a:rPr lang="zh-CN" altLang="en-US" sz="2400" dirty="0"/>
+              <a:t>编写基本的表单填写功能测试</a:t>
+            </a:r>
+            <a:endParaRPr lang="en-US" altLang="zh-CN" sz="2400" dirty="0"/>
+          </a:p>
+          <a:p>
+            <a:r>
+              <a:rPr lang="en-US" altLang="zh-CN" sz="2400" dirty="0"/>
+              <a:t>4.7 </a:t>
+            </a:r>
+            <a:r>
+              <a:rPr lang="zh-CN" altLang="en-US" sz="2400" dirty="0"/>
+              <a:t>整合认证与授权功能到编写的测试接口上</a:t>
+            </a:r>
+            <a:endParaRPr lang="en-US" altLang="zh-CN" sz="2400" dirty="0"/>
+          </a:p>
+          <a:p>
+            <a:pPr marL="0" indent="0">
+              <a:buNone/>
+            </a:pPr>
             <a:endParaRPr lang="en-US" altLang="zh-CN" sz="2400" dirty="0"/>
           </a:p>
         </p:txBody>
       </p:sp>
-      <p:pic>
-        <p:nvPicPr>
-          <p:cNvPr id="6" name="图片 5">
-            <a:extLst>
-              <a:ext uri="{FF2B5EF4-FFF2-40B4-BE49-F238E27FC236}">
-                <a16:creationId xmlns:a16="http://schemas.microsoft.com/office/drawing/2014/main" id="{AD4A3462-E042-4534-085A-33D0AC3F998B}"/>
-              </a:ext>
-            </a:extLst>
-          </p:cNvPr>
-          <p:cNvPicPr>
-            <a:picLocks noChangeAspect="1"/>
-          </p:cNvPicPr>
-          <p:nvPr/>
-        </p:nvPicPr>
-        <p:blipFill>
-          <a:blip r:embed="rId3">
-            <a:extLst>
-              <a:ext uri="{28A0092B-C50C-407E-A947-70E740481C1C}">
-                <a14:useLocalDpi xmlns:a14="http://schemas.microsoft.com/office/drawing/2010/main" val="0"/>
-              </a:ext>
-            </a:extLst>
-          </a:blip>
-          <a:stretch>
-            <a:fillRect/>
-          </a:stretch>
-        </p:blipFill>
-        <p:spPr>
-          <a:xfrm>
-            <a:off x="5761608" y="0"/>
-            <a:ext cx="5957318" cy="6858000"/>
-          </a:xfrm>
-          <a:prstGeom prst="rect">
-            <a:avLst/>
-          </a:prstGeom>
-        </p:spPr>
-      </p:pic>
     </p:spTree>
     <p:custDataLst>
       <p:tags r:id="rId1"/>
@@ -6782,9 +6472,10 @@
           <a:lstStyle/>
           <a:p>
             <a:r>
-              <a:rPr lang="zh-CN" altLang="en-US"/>
-              <a:t>数据表（系统）</a:t>
-            </a:r>
+              <a:rPr lang="en-US" altLang="zh-CN" dirty="0"/>
+              <a:t>4.18</a:t>
+            </a:r>
+            <a:endParaRPr lang="zh-CN" altLang="en-US" dirty="0"/>
           </a:p>
         </p:txBody>
       </p:sp>
@@ -6828,8 +6519,8 @@
         </p:nvSpPr>
         <p:spPr>
           <a:xfrm>
-            <a:off x="473074" y="1377372"/>
-            <a:ext cx="4533900" cy="4514418"/>
+            <a:off x="473073" y="1377372"/>
+            <a:ext cx="11542463" cy="4514418"/>
           </a:xfrm>
           <a:prstGeom prst="rect">
             <a:avLst/>
@@ -7003,73 +6694,70 @@
           </a:lstStyle>
           <a:p>
             <a:r>
-              <a:rPr lang="zh-CN" altLang="en-US" sz="2400"/>
-              <a:t>系统配置与后台管理相关，基本为框架自带</a:t>
+              <a:rPr lang="zh-CN" altLang="en-US" sz="2400" dirty="0"/>
+              <a:t>需求分析</a:t>
             </a:r>
             <a:endParaRPr lang="en-US" altLang="zh-CN" sz="2400" dirty="0"/>
+          </a:p>
+          <a:p>
+            <a:pPr lvl="1"/>
+            <a:r>
+              <a:rPr lang="zh-CN" altLang="en-US" sz="2000" dirty="0"/>
+              <a:t>流程图</a:t>
+            </a:r>
+            <a:r>
+              <a:rPr lang="en-US" altLang="zh-CN" sz="2000" dirty="0"/>
+              <a:t>1.0</a:t>
+            </a:r>
+          </a:p>
+          <a:p>
+            <a:pPr lvl="1"/>
+            <a:r>
+              <a:rPr lang="zh-CN" altLang="en-US" sz="2000" dirty="0"/>
+              <a:t>业务流程功能初步分析</a:t>
+            </a:r>
+            <a:endParaRPr lang="en-US" altLang="zh-CN" sz="2000" dirty="0"/>
+          </a:p>
+          <a:p>
+            <a:r>
+              <a:rPr lang="zh-CN" altLang="en-US" sz="2400" dirty="0"/>
+              <a:t>技术调研</a:t>
+            </a:r>
+            <a:endParaRPr lang="en-US" altLang="zh-CN" sz="2400" dirty="0"/>
+          </a:p>
+          <a:p>
+            <a:pPr lvl="1"/>
+            <a:r>
+              <a:rPr lang="zh-CN" altLang="en-US" sz="2200" dirty="0"/>
+              <a:t>后端脚手架</a:t>
+            </a:r>
+            <a:r>
+              <a:rPr lang="en-US" altLang="zh-CN" sz="2200" dirty="0" err="1"/>
+              <a:t>YunaiV</a:t>
+            </a:r>
+            <a:r>
+              <a:rPr lang="en-US" altLang="zh-CN" sz="2200" dirty="0"/>
+              <a:t>/</a:t>
+            </a:r>
+            <a:r>
+              <a:rPr lang="en-US" altLang="zh-CN" sz="2200" dirty="0" err="1"/>
+              <a:t>ruoyi</a:t>
+            </a:r>
+            <a:r>
+              <a:rPr lang="en-US" altLang="zh-CN" sz="2200" dirty="0"/>
+              <a:t>-</a:t>
+            </a:r>
+            <a:r>
+              <a:rPr lang="en-US" altLang="zh-CN" sz="2200" dirty="0" err="1"/>
+              <a:t>vue</a:t>
+            </a:r>
+            <a:r>
+              <a:rPr lang="en-US" altLang="zh-CN" sz="2200" dirty="0"/>
+              <a:t>-pro</a:t>
+            </a:r>
           </a:p>
         </p:txBody>
       </p:sp>
-      <p:pic>
-        <p:nvPicPr>
-          <p:cNvPr id="7" name="图片 6">
-            <a:extLst>
-              <a:ext uri="{FF2B5EF4-FFF2-40B4-BE49-F238E27FC236}">
-                <a16:creationId xmlns:a16="http://schemas.microsoft.com/office/drawing/2014/main" id="{67CDBDD5-8301-D00D-6FA2-A4A6F54522CF}"/>
-              </a:ext>
-            </a:extLst>
-          </p:cNvPr>
-          <p:cNvPicPr>
-            <a:picLocks noChangeAspect="1"/>
-          </p:cNvPicPr>
-          <p:nvPr/>
-        </p:nvPicPr>
-        <p:blipFill>
-          <a:blip r:embed="rId3"/>
-          <a:stretch>
-            <a:fillRect/>
-          </a:stretch>
-        </p:blipFill>
-        <p:spPr>
-          <a:xfrm>
-            <a:off x="488355" y="2710236"/>
-            <a:ext cx="8323809" cy="923810"/>
-          </a:xfrm>
-          <a:prstGeom prst="rect">
-            <a:avLst/>
-          </a:prstGeom>
-        </p:spPr>
-      </p:pic>
-      <p:pic>
-        <p:nvPicPr>
-          <p:cNvPr id="8" name="图片 7">
-            <a:extLst>
-              <a:ext uri="{FF2B5EF4-FFF2-40B4-BE49-F238E27FC236}">
-                <a16:creationId xmlns:a16="http://schemas.microsoft.com/office/drawing/2014/main" id="{ED7A0EC7-6786-B3A1-5239-B9CEB7E7AFC3}"/>
-              </a:ext>
-            </a:extLst>
-          </p:cNvPr>
-          <p:cNvPicPr>
-            <a:picLocks noChangeAspect="1"/>
-          </p:cNvPicPr>
-          <p:nvPr/>
-        </p:nvPicPr>
-        <p:blipFill>
-          <a:blip r:embed="rId4"/>
-          <a:stretch>
-            <a:fillRect/>
-          </a:stretch>
-        </p:blipFill>
-        <p:spPr>
-          <a:xfrm>
-            <a:off x="431211" y="3634046"/>
-            <a:ext cx="8438095" cy="2361905"/>
-          </a:xfrm>
-          <a:prstGeom prst="rect">
-            <a:avLst/>
-          </a:prstGeom>
-        </p:spPr>
-      </p:pic>
     </p:spTree>
     <p:custDataLst>
       <p:tags r:id="rId1"/>
@@ -7119,21 +6807,10 @@
           <a:lstStyle/>
           <a:p>
             <a:r>
-              <a:rPr lang="en-US" altLang="zh-CN"/>
-              <a:t>BE</a:t>
-            </a:r>
-            <a:r>
-              <a:rPr lang="zh-CN" altLang="en-US"/>
-              <a:t>组对接（</a:t>
-            </a:r>
-            <a:r>
-              <a:rPr lang="en-US" altLang="zh-CN"/>
-              <a:t>4.29</a:t>
-            </a:r>
-            <a:r>
-              <a:rPr lang="zh-CN" altLang="en-US"/>
-              <a:t>）</a:t>
-            </a:r>
+              <a:rPr lang="en-US" altLang="zh-CN" dirty="0"/>
+              <a:t>4.25</a:t>
+            </a:r>
+            <a:endParaRPr lang="zh-CN" altLang="en-US" dirty="0"/>
           </a:p>
         </p:txBody>
       </p:sp>
@@ -7352,149 +7029,82 @@
           </a:lstStyle>
           <a:p>
             <a:r>
-              <a:rPr lang="zh-CN" altLang="en-US"/>
-              <a:t>权限数据 </a:t>
-            </a:r>
-            <a:r>
-              <a:rPr lang="en-US" altLang="zh-CN"/>
-              <a:t>RBAC</a:t>
-            </a:r>
-            <a:r>
-              <a:rPr lang="zh-CN" altLang="en-US"/>
-              <a:t>模式进行权限管理</a:t>
-            </a:r>
-            <a:endParaRPr lang="en-US" altLang="zh-CN"/>
-          </a:p>
-          <a:p>
-            <a:r>
-              <a:rPr lang="zh-CN" altLang="en-US"/>
-              <a:t>建立角色树、功能树</a:t>
-            </a:r>
-            <a:endParaRPr lang="en-US" altLang="zh-CN"/>
+              <a:rPr lang="zh-CN" altLang="en-US" dirty="0"/>
+              <a:t>需求分析</a:t>
+            </a:r>
+            <a:endParaRPr lang="en-US" altLang="zh-CN" dirty="0"/>
           </a:p>
           <a:p>
             <a:pPr lvl="1"/>
             <a:r>
-              <a:rPr lang="zh-CN" altLang="en-US" sz="1800"/>
-              <a:t>用户到角色树叶节点的多对多映射</a:t>
-            </a:r>
-            <a:endParaRPr lang="en-US" altLang="zh-CN" sz="1800"/>
+              <a:rPr lang="zh-CN" altLang="en-US" dirty="0"/>
+              <a:t>确定业务流程基本方案，明确功能</a:t>
+            </a:r>
+            <a:endParaRPr lang="en-US" altLang="zh-CN" dirty="0"/>
           </a:p>
           <a:p>
             <a:pPr lvl="1"/>
             <a:r>
-              <a:rPr lang="zh-CN" altLang="en-US" sz="1800"/>
-              <a:t>角色树叶节点到功能树子树的多对多映射</a:t>
-            </a:r>
-            <a:endParaRPr lang="en-US" altLang="zh-CN" sz="1800"/>
+              <a:rPr lang="zh-CN" altLang="en-US" dirty="0"/>
+              <a:t>预设数据表结构</a:t>
+            </a:r>
+            <a:endParaRPr lang="en-US" altLang="zh-CN" dirty="0"/>
+          </a:p>
+          <a:p>
+            <a:r>
+              <a:rPr lang="zh-CN" altLang="en-US" dirty="0"/>
+              <a:t>技术</a:t>
+            </a:r>
+            <a:endParaRPr lang="en-US" altLang="zh-CN" dirty="0"/>
           </a:p>
           <a:p>
             <a:pPr lvl="1"/>
             <a:r>
-              <a:rPr lang="en-US" altLang="zh-CN" sz="1800"/>
-              <a:t>user</a:t>
-            </a:r>
-            <a:r>
-              <a:rPr lang="zh-CN" altLang="en-US" sz="1800"/>
-              <a:t>：所有用户</a:t>
-            </a:r>
-            <a:endParaRPr lang="en-US" altLang="zh-CN" sz="1800"/>
-          </a:p>
-          <a:p>
-            <a:pPr lvl="1"/>
-            <a:r>
-              <a:rPr lang="en-US" altLang="zh-CN" sz="1800"/>
-              <a:t>role</a:t>
-            </a:r>
-            <a:r>
-              <a:rPr lang="zh-CN" altLang="en-US" sz="1800"/>
-              <a:t>：所有角色（树形结构）</a:t>
-            </a:r>
-            <a:endParaRPr lang="en-US" altLang="zh-CN" sz="1800"/>
-          </a:p>
-          <a:p>
-            <a:pPr lvl="2"/>
-            <a:r>
-              <a:rPr lang="zh-CN" altLang="en-US" sz="1800"/>
-              <a:t>查整体的角色树</a:t>
-            </a:r>
-            <a:endParaRPr lang="en-US" altLang="zh-CN" sz="1800"/>
-          </a:p>
-          <a:p>
-            <a:pPr lvl="2"/>
-            <a:r>
-              <a:rPr lang="zh-CN" altLang="en-US" sz="1800"/>
-              <a:t>根据具体数据请求更新数据表</a:t>
-            </a:r>
-            <a:endParaRPr lang="en-US" altLang="zh-CN" sz="1800"/>
-          </a:p>
-          <a:p>
-            <a:pPr lvl="2"/>
-            <a:r>
-              <a:rPr lang="zh-CN" altLang="en-US" sz="1800"/>
-              <a:t>根据用户查对应的角色树叶节点</a:t>
-            </a:r>
-            <a:endParaRPr lang="en-US" altLang="zh-CN" sz="1800"/>
-          </a:p>
-          <a:p>
-            <a:pPr lvl="1"/>
-            <a:r>
-              <a:rPr lang="zh-CN" altLang="en-US" sz="1800"/>
-              <a:t>维护</a:t>
-            </a:r>
-            <a:r>
-              <a:rPr lang="en-US" altLang="zh-CN" sz="1800"/>
-              <a:t>user-role</a:t>
-            </a:r>
-            <a:r>
-              <a:rPr lang="zh-CN" altLang="en-US" sz="1800"/>
-              <a:t>的映射</a:t>
-            </a:r>
-            <a:endParaRPr lang="en-US" altLang="zh-CN" sz="1800"/>
-          </a:p>
-          <a:p>
-            <a:pPr lvl="1"/>
-            <a:r>
-              <a:rPr lang="en-US" altLang="zh-CN" sz="1800"/>
-              <a:t>auth</a:t>
-            </a:r>
-            <a:r>
-              <a:rPr lang="zh-CN" altLang="en-US" sz="1800"/>
-              <a:t>：所有功能权限（树形结构，叶节点对应页面或接口，非叶节点对应菜单</a:t>
-            </a:r>
-            <a:endParaRPr lang="en-US" altLang="zh-CN" sz="1800"/>
-          </a:p>
-          <a:p>
-            <a:pPr lvl="2"/>
-            <a:r>
-              <a:rPr lang="zh-CN" altLang="en-US" sz="1800"/>
-              <a:t>查整体的功能树</a:t>
-            </a:r>
-            <a:endParaRPr lang="en-US" altLang="zh-CN" sz="1800"/>
-          </a:p>
-          <a:p>
-            <a:pPr lvl="2"/>
-            <a:r>
-              <a:rPr lang="zh-CN" altLang="en-US" sz="1800"/>
-              <a:t>根据角色查对应的功能树子树</a:t>
-            </a:r>
-            <a:endParaRPr lang="en-US" altLang="zh-CN" sz="1800"/>
-          </a:p>
-          <a:p>
-            <a:pPr lvl="1"/>
-            <a:r>
-              <a:rPr lang="zh-CN" altLang="en-US" sz="1800"/>
-              <a:t>维护</a:t>
-            </a:r>
-            <a:r>
-              <a:rPr lang="en-US" altLang="zh-CN" sz="1800"/>
-              <a:t>role-auth</a:t>
-            </a:r>
-            <a:r>
-              <a:rPr lang="zh-CN" altLang="en-US" sz="1800"/>
-              <a:t>的映射</a:t>
-            </a:r>
-            <a:endParaRPr lang="en-US" altLang="zh-CN" sz="1800" dirty="0"/>
+              <a:rPr lang="en-US" altLang="zh-CN" dirty="0" err="1"/>
+              <a:t>Springboot</a:t>
+            </a:r>
+            <a:r>
+              <a:rPr lang="zh-CN" altLang="en-US" dirty="0"/>
+              <a:t>开发平台（脚手架）</a:t>
+            </a:r>
+            <a:r>
+              <a:rPr lang="en-US" altLang="zh-CN" dirty="0" err="1"/>
+              <a:t>Ruoyi</a:t>
+            </a:r>
+            <a:r>
+              <a:rPr lang="en-US" altLang="zh-CN" dirty="0"/>
+              <a:t>-</a:t>
+            </a:r>
+            <a:r>
+              <a:rPr lang="en-US" altLang="zh-CN" dirty="0" err="1"/>
+              <a:t>vue</a:t>
+            </a:r>
+            <a:r>
+              <a:rPr lang="en-US" altLang="zh-CN" dirty="0"/>
+              <a:t>-pro</a:t>
+            </a:r>
+            <a:r>
+              <a:rPr lang="zh-CN" altLang="en-US" dirty="0"/>
+              <a:t>，目前正在学习文档与线管技术，并使用或编写简单的</a:t>
+            </a:r>
+            <a:r>
+              <a:rPr lang="en-US" altLang="zh-CN" dirty="0"/>
+              <a:t>demo</a:t>
+            </a:r>
+            <a:r>
+              <a:rPr lang="zh-CN" altLang="en-US" dirty="0"/>
+              <a:t>来熟悉框架</a:t>
+            </a:r>
+            <a:endParaRPr lang="en-US" altLang="zh-CN" dirty="0"/>
+          </a:p>
+          <a:p>
+            <a:pPr marL="0" indent="0">
+              <a:buNone/>
+            </a:pPr>
+            <a:endParaRPr lang="en-US" altLang="zh-CN" dirty="0"/>
+          </a:p>
+          <a:p>
+            <a:endParaRPr lang="en-US" altLang="zh-CN" dirty="0"/>
           </a:p>
         </p:txBody>
       </p:sp>
@@ -7547,21 +7157,10 @@
           <a:lstStyle/>
           <a:p>
             <a:r>
-              <a:rPr lang="en-US" altLang="zh-CN"/>
-              <a:t>BE</a:t>
-            </a:r>
-            <a:r>
-              <a:rPr lang="zh-CN" altLang="en-US"/>
-              <a:t>组对接（</a:t>
-            </a:r>
-            <a:r>
-              <a:rPr lang="en-US" altLang="zh-CN"/>
-              <a:t>4.29</a:t>
-            </a:r>
-            <a:r>
-              <a:rPr lang="zh-CN" altLang="en-US"/>
-              <a:t>）</a:t>
-            </a:r>
+              <a:rPr lang="en-US" altLang="zh-CN" dirty="0"/>
+              <a:t>5.3</a:t>
+            </a:r>
+            <a:endParaRPr lang="zh-CN" altLang="en-US" dirty="0"/>
           </a:p>
         </p:txBody>
       </p:sp>
@@ -7605,8 +7204,8 @@
         </p:nvSpPr>
         <p:spPr>
           <a:xfrm>
-            <a:off x="473074" y="1377371"/>
-            <a:ext cx="9221342" cy="4863091"/>
+            <a:off x="473073" y="1377371"/>
+            <a:ext cx="10850563" cy="4863091"/>
           </a:xfrm>
           <a:prstGeom prst="rect">
             <a:avLst/>
@@ -7780,43 +7379,166 @@
           </a:lstStyle>
           <a:p>
             <a:r>
-              <a:rPr lang="zh-CN" altLang="en-US" sz="2400"/>
-              <a:t>菜单数据格式</a:t>
+              <a:rPr lang="zh-CN" altLang="en-US" sz="2400" dirty="0"/>
+              <a:t>数据表定义与生成（用户、委托、合同、样品等）</a:t>
             </a:r>
             <a:endParaRPr lang="en-US" altLang="zh-CN" sz="2400" dirty="0"/>
+          </a:p>
+          <a:p>
+            <a:r>
+              <a:rPr lang="zh-CN" altLang="en-US" sz="2400" dirty="0"/>
+              <a:t>与前端</a:t>
+            </a:r>
+            <a:r>
+              <a:rPr lang="en-US" altLang="zh-CN" sz="2400" dirty="0"/>
+              <a:t>E</a:t>
+            </a:r>
+            <a:r>
+              <a:rPr lang="zh-CN" altLang="en-US" sz="2400" dirty="0"/>
+              <a:t>组对接</a:t>
+            </a:r>
+            <a:endParaRPr lang="en-US" altLang="zh-CN" sz="2400" dirty="0"/>
+          </a:p>
+          <a:p>
+            <a:pPr lvl="1"/>
+            <a:r>
+              <a:rPr lang="en-US" altLang="zh-CN" sz="2200" dirty="0"/>
+              <a:t>RBAC</a:t>
+            </a:r>
+            <a:r>
+              <a:rPr lang="zh-CN" altLang="en-US" sz="2200" dirty="0"/>
+              <a:t>模式进行权限管理（用户</a:t>
+            </a:r>
+            <a:r>
+              <a:rPr lang="en-US" altLang="zh-CN" sz="2200" dirty="0"/>
+              <a:t>-</a:t>
+            </a:r>
+            <a:r>
+              <a:rPr lang="zh-CN" altLang="en-US" sz="2200" dirty="0"/>
+              <a:t>角色</a:t>
+            </a:r>
+            <a:r>
+              <a:rPr lang="en-US" altLang="zh-CN" sz="2200" dirty="0"/>
+              <a:t>-</a:t>
+            </a:r>
+            <a:r>
+              <a:rPr lang="zh-CN" altLang="en-US" sz="2200" dirty="0"/>
+              <a:t>权限）</a:t>
+            </a:r>
+            <a:endParaRPr lang="en-US" altLang="zh-CN" sz="2200" dirty="0"/>
+          </a:p>
+          <a:p>
+            <a:pPr lvl="1"/>
+            <a:r>
+              <a:rPr lang="zh-CN" altLang="en-US" sz="2200" dirty="0"/>
+              <a:t>协商确定菜单数据格式</a:t>
+            </a:r>
+            <a:endParaRPr lang="en-US" altLang="zh-CN" sz="2200" dirty="0"/>
+          </a:p>
+          <a:p>
+            <a:pPr lvl="1"/>
+            <a:r>
+              <a:rPr lang="zh-CN" altLang="en-US" sz="2200" dirty="0"/>
+              <a:t>认证和接口格式</a:t>
+            </a:r>
+            <a:endParaRPr lang="en-US" altLang="zh-CN" sz="2200" dirty="0"/>
+          </a:p>
+          <a:p>
+            <a:r>
+              <a:rPr lang="zh-CN" altLang="en-US" sz="2200" dirty="0"/>
+              <a:t>技术</a:t>
+            </a:r>
+            <a:endParaRPr lang="en-US" altLang="zh-CN" sz="2200" dirty="0"/>
+          </a:p>
+          <a:p>
+            <a:pPr lvl="1"/>
+            <a:r>
+              <a:rPr lang="zh-CN" altLang="en-US" sz="2000" dirty="0"/>
+              <a:t>技术表格</a:t>
+            </a:r>
+            <a:r>
+              <a:rPr lang="en-US" altLang="zh-CN" sz="2000" dirty="0"/>
+              <a:t>json</a:t>
+            </a:r>
+            <a:r>
+              <a:rPr lang="zh-CN" altLang="en-US" sz="2000" dirty="0"/>
+              <a:t>模板生成脚本</a:t>
+            </a:r>
+            <a:endParaRPr lang="en-US" altLang="zh-CN" sz="2000" dirty="0"/>
+          </a:p>
+          <a:p>
+            <a:pPr lvl="1"/>
+            <a:r>
+              <a:rPr lang="zh-CN" altLang="en-US" sz="2000" dirty="0"/>
+              <a:t>接入</a:t>
+            </a:r>
+            <a:r>
+              <a:rPr lang="en-US" altLang="zh-CN" sz="2000" dirty="0" err="1"/>
+              <a:t>MySql</a:t>
+            </a:r>
+            <a:r>
+              <a:rPr lang="zh-CN" altLang="en-US" sz="2000" dirty="0"/>
+              <a:t>云数库、</a:t>
+            </a:r>
+            <a:r>
+              <a:rPr lang="en-US" altLang="zh-CN" sz="2000" dirty="0"/>
+              <a:t>MongoDB</a:t>
+            </a:r>
+            <a:r>
+              <a:rPr lang="zh-CN" altLang="en-US" sz="2000" dirty="0"/>
+              <a:t>云数据库</a:t>
+            </a:r>
+            <a:endParaRPr lang="en-US" altLang="zh-CN" sz="2000" dirty="0"/>
+          </a:p>
+          <a:p>
+            <a:pPr lvl="1"/>
+            <a:r>
+              <a:rPr lang="zh-CN" altLang="en-US" sz="2000" dirty="0"/>
+              <a:t>短信平台 验证码登录</a:t>
+            </a:r>
+            <a:endParaRPr lang="en-US" altLang="zh-CN" sz="2000" dirty="0"/>
+          </a:p>
+          <a:p>
+            <a:pPr lvl="1"/>
+            <a:r>
+              <a:rPr lang="zh-CN" altLang="en-US" sz="2000" dirty="0"/>
+              <a:t>文件配置</a:t>
+            </a:r>
+            <a:r>
+              <a:rPr lang="en-US" altLang="zh-CN" sz="2000" dirty="0" err="1"/>
+              <a:t>Minio</a:t>
+            </a:r>
+            <a:endParaRPr lang="en-US" altLang="zh-CN" sz="2000" dirty="0"/>
+          </a:p>
+          <a:p>
+            <a:pPr lvl="1"/>
+            <a:r>
+              <a:rPr lang="zh-CN" altLang="en-US" sz="2000" dirty="0"/>
+              <a:t>暂定角色与菜单信息</a:t>
+            </a:r>
+            <a:endParaRPr lang="en-US" altLang="zh-CN" sz="2000" dirty="0"/>
+          </a:p>
+          <a:p>
+            <a:pPr lvl="1"/>
+            <a:r>
+              <a:rPr lang="zh-CN" altLang="en-US" sz="2000" dirty="0"/>
+              <a:t>编写相关接口</a:t>
+            </a:r>
+            <a:endParaRPr lang="en-US" altLang="zh-CN" sz="2000" dirty="0"/>
+          </a:p>
+          <a:p>
+            <a:pPr lvl="2"/>
+            <a:r>
+              <a:rPr lang="zh-CN" altLang="en-US" sz="1800" dirty="0"/>
+              <a:t>认证、公司、委托与流程</a:t>
+            </a:r>
+            <a:endParaRPr lang="en-US" altLang="zh-CN" sz="1800" dirty="0"/>
+          </a:p>
+          <a:p>
+            <a:endParaRPr lang="en-US" altLang="zh-CN" sz="2200" dirty="0"/>
           </a:p>
         </p:txBody>
       </p:sp>
-      <p:pic>
-        <p:nvPicPr>
-          <p:cNvPr id="6" name="图片 5">
-            <a:extLst>
-              <a:ext uri="{FF2B5EF4-FFF2-40B4-BE49-F238E27FC236}">
-                <a16:creationId xmlns:a16="http://schemas.microsoft.com/office/drawing/2014/main" id="{82B56D1F-179F-CE46-EB6F-A109C8DE9B71}"/>
-              </a:ext>
-            </a:extLst>
-          </p:cNvPr>
-          <p:cNvPicPr>
-            <a:picLocks noChangeAspect="1"/>
-          </p:cNvPicPr>
-          <p:nvPr/>
-        </p:nvPicPr>
-        <p:blipFill>
-          <a:blip r:embed="rId3"/>
-          <a:stretch>
-            <a:fillRect/>
-          </a:stretch>
-        </p:blipFill>
-        <p:spPr>
-          <a:xfrm>
-            <a:off x="3900932" y="1225614"/>
-            <a:ext cx="6874241" cy="5481466"/>
-          </a:xfrm>
-          <a:prstGeom prst="rect">
-            <a:avLst/>
-          </a:prstGeom>
-        </p:spPr>
-      </p:pic>
     </p:spTree>
     <p:custDataLst>
       <p:tags r:id="rId1"/>
@@ -7866,21 +7588,10 @@
           <a:lstStyle/>
           <a:p>
             <a:r>
-              <a:rPr lang="en-US" altLang="zh-CN"/>
-              <a:t>BE</a:t>
-            </a:r>
-            <a:r>
-              <a:rPr lang="zh-CN" altLang="en-US"/>
-              <a:t>组对接（</a:t>
-            </a:r>
-            <a:r>
-              <a:rPr lang="en-US" altLang="zh-CN"/>
-              <a:t>4.29</a:t>
-            </a:r>
-            <a:r>
-              <a:rPr lang="zh-CN" altLang="en-US"/>
-              <a:t>）</a:t>
-            </a:r>
+              <a:rPr lang="en-US" altLang="zh-CN" dirty="0"/>
+              <a:t>5.9</a:t>
+            </a:r>
+            <a:endParaRPr lang="zh-CN" altLang="en-US" dirty="0"/>
           </a:p>
         </p:txBody>
       </p:sp>
@@ -8099,71 +7810,124 @@
           </a:lstStyle>
           <a:p>
             <a:r>
-              <a:rPr lang="zh-CN" altLang="en-US" sz="2400">
+              <a:rPr lang="zh-CN" altLang="en-US" sz="2400" dirty="0">
                 <a:latin typeface="+mn-ea"/>
               </a:rPr>
-              <a:t>认证和接口格式</a:t>
-            </a:r>
-            <a:endParaRPr lang="en-US" altLang="zh-CN" sz="2400">
-              <a:latin typeface="+mn-ea"/>
-            </a:endParaRPr>
-          </a:p>
-          <a:p>
-            <a:pPr lvl="1"/>
-            <a:r>
-              <a:rPr lang="zh-CN" altLang="en-US" sz="2400">
-                <a:latin typeface="+mn-ea"/>
-              </a:rPr>
-              <a:t>前端调⽤登录接⼝，使⽤账号密码获得到认证 </a:t>
-            </a:r>
-            <a:r>
-              <a:rPr lang="en-US" altLang="zh-CN" sz="2400">
-                <a:latin typeface="+mn-ea"/>
-              </a:rPr>
-              <a:t>Token</a:t>
-            </a:r>
-            <a:r>
-              <a:rPr lang="zh-CN" altLang="en-US" sz="2400">
-                <a:latin typeface="+mn-ea"/>
-              </a:rPr>
-              <a:t>。响应⽰例如下： </a:t>
+              <a:t>需求</a:t>
             </a:r>
             <a:endParaRPr lang="en-US" altLang="zh-CN" sz="2400" dirty="0">
               <a:latin typeface="+mn-ea"/>
             </a:endParaRPr>
           </a:p>
+          <a:p>
+            <a:pPr lvl="1"/>
+            <a:r>
+              <a:rPr lang="zh-CN" altLang="en-US" sz="2000" dirty="0">
+                <a:latin typeface="+mn-ea"/>
+              </a:rPr>
+              <a:t>与甲方线上会议商定流程</a:t>
+            </a:r>
+            <a:endParaRPr lang="en-US" altLang="zh-CN" sz="2000" dirty="0">
+              <a:latin typeface="+mn-ea"/>
+            </a:endParaRPr>
+          </a:p>
+          <a:p>
+            <a:pPr lvl="1"/>
+            <a:r>
+              <a:rPr lang="zh-CN" altLang="en-US" sz="2000" dirty="0">
+                <a:latin typeface="+mn-ea"/>
+              </a:rPr>
+              <a:t>流程细化（流程图</a:t>
+            </a:r>
+            <a:r>
+              <a:rPr lang="en-US" altLang="zh-CN" sz="2000" dirty="0">
+                <a:latin typeface="+mn-ea"/>
+              </a:rPr>
+              <a:t>2.0</a:t>
+            </a:r>
+            <a:r>
+              <a:rPr lang="zh-CN" altLang="en-US" sz="2000" dirty="0">
+                <a:latin typeface="+mn-ea"/>
+              </a:rPr>
+              <a:t>）</a:t>
+            </a:r>
+            <a:endParaRPr lang="en-US" altLang="zh-CN" sz="2000" dirty="0">
+              <a:latin typeface="+mn-ea"/>
+            </a:endParaRPr>
+          </a:p>
+          <a:p>
+            <a:r>
+              <a:rPr lang="zh-CN" altLang="en-US" sz="2400" dirty="0">
+                <a:latin typeface="+mn-ea"/>
+              </a:rPr>
+              <a:t>技术</a:t>
+            </a:r>
+            <a:endParaRPr lang="en-US" altLang="zh-CN" sz="2400" dirty="0">
+              <a:latin typeface="+mn-ea"/>
+            </a:endParaRPr>
+          </a:p>
+          <a:p>
+            <a:pPr lvl="1"/>
+            <a:r>
+              <a:rPr lang="zh-CN" altLang="en-US" sz="2200" dirty="0">
+                <a:latin typeface="+mn-ea"/>
+              </a:rPr>
+              <a:t>数据表结构和代码修改</a:t>
+            </a:r>
+            <a:endParaRPr lang="en-US" altLang="zh-CN" sz="2200" dirty="0">
+              <a:latin typeface="+mn-ea"/>
+            </a:endParaRPr>
+          </a:p>
+          <a:p>
+            <a:pPr lvl="2"/>
+            <a:r>
+              <a:rPr lang="zh-CN" altLang="en-US" sz="2000" dirty="0">
+                <a:latin typeface="+mn-ea"/>
+              </a:rPr>
+              <a:t>委托</a:t>
+            </a:r>
+            <a:endParaRPr lang="en-US" altLang="zh-CN" sz="2000" dirty="0">
+              <a:latin typeface="+mn-ea"/>
+            </a:endParaRPr>
+          </a:p>
+          <a:p>
+            <a:pPr lvl="2"/>
+            <a:r>
+              <a:rPr lang="zh-CN" altLang="en-US" sz="2000" dirty="0">
+                <a:latin typeface="+mn-ea"/>
+              </a:rPr>
+              <a:t>合同</a:t>
+            </a:r>
+            <a:endParaRPr lang="en-US" altLang="zh-CN" sz="2000" dirty="0">
+              <a:latin typeface="+mn-ea"/>
+            </a:endParaRPr>
+          </a:p>
+          <a:p>
+            <a:pPr lvl="2"/>
+            <a:r>
+              <a:rPr lang="zh-CN" altLang="en-US" sz="2000" dirty="0">
+                <a:latin typeface="+mn-ea"/>
+              </a:rPr>
+              <a:t>测试方案</a:t>
+            </a:r>
+            <a:endParaRPr lang="en-US" altLang="zh-CN" sz="2000" dirty="0">
+              <a:latin typeface="+mn-ea"/>
+            </a:endParaRPr>
+          </a:p>
+          <a:p>
+            <a:pPr lvl="2"/>
+            <a:r>
+              <a:rPr lang="zh-CN" altLang="en-US" sz="2000" dirty="0">
+                <a:latin typeface="+mn-ea"/>
+              </a:rPr>
+              <a:t>测试报告</a:t>
+            </a:r>
+            <a:endParaRPr lang="en-US" altLang="zh-CN" sz="2000" dirty="0">
+              <a:latin typeface="+mn-ea"/>
+            </a:endParaRPr>
+          </a:p>
         </p:txBody>
       </p:sp>
-      <p:pic>
-        <p:nvPicPr>
-          <p:cNvPr id="7" name="图片 6">
-            <a:extLst>
-              <a:ext uri="{FF2B5EF4-FFF2-40B4-BE49-F238E27FC236}">
-                <a16:creationId xmlns:a16="http://schemas.microsoft.com/office/drawing/2014/main" id="{3B1C4065-C0FB-8DD9-BD9A-663A42BD8695}"/>
-              </a:ext>
-            </a:extLst>
-          </p:cNvPr>
-          <p:cNvPicPr>
-            <a:picLocks noChangeAspect="1"/>
-          </p:cNvPicPr>
-          <p:nvPr/>
-        </p:nvPicPr>
-        <p:blipFill>
-          <a:blip r:embed="rId3"/>
-          <a:stretch>
-            <a:fillRect/>
-          </a:stretch>
-        </p:blipFill>
-        <p:spPr>
-          <a:xfrm>
-            <a:off x="1113126" y="2845459"/>
-            <a:ext cx="8168576" cy="2445632"/>
-          </a:xfrm>
-          <a:prstGeom prst="rect">
-            <a:avLst/>
-          </a:prstGeom>
-        </p:spPr>
-      </p:pic>
     </p:spTree>
     <p:custDataLst>
       <p:tags r:id="rId1"/>
@@ -8213,21 +7977,10 @@
           <a:lstStyle/>
           <a:p>
             <a:r>
-              <a:rPr lang="en-US" altLang="zh-CN"/>
-              <a:t>BE</a:t>
-            </a:r>
-            <a:r>
-              <a:rPr lang="zh-CN" altLang="en-US"/>
-              <a:t>组对接（</a:t>
-            </a:r>
-            <a:r>
-              <a:rPr lang="en-US" altLang="zh-CN"/>
-              <a:t>4.29</a:t>
-            </a:r>
-            <a:r>
-              <a:rPr lang="zh-CN" altLang="en-US"/>
-              <a:t>）</a:t>
-            </a:r>
+              <a:rPr lang="en-US" altLang="zh-CN" dirty="0"/>
+              <a:t>5.16</a:t>
+            </a:r>
+            <a:endParaRPr lang="zh-CN" altLang="en-US" dirty="0"/>
           </a:p>
         </p:txBody>
       </p:sp>
@@ -8446,61 +8199,124 @@
           </a:lstStyle>
           <a:p>
             <a:r>
-              <a:rPr lang="zh-CN" altLang="en-US" sz="2400"/>
-              <a:t>认证和接口格式</a:t>
-            </a:r>
-            <a:endParaRPr lang="en-US" altLang="zh-CN" sz="2400"/>
-          </a:p>
-          <a:p>
-            <a:pPr lvl="1"/>
-            <a:r>
-              <a:rPr lang="zh-CN" altLang="en-US" sz="2400"/>
-              <a:t>前端调⽤其它接⼝，需要在请求头带上 </a:t>
-            </a:r>
-            <a:r>
-              <a:rPr lang="en-US" altLang="zh-CN" sz="2400"/>
-              <a:t>Token </a:t>
-            </a:r>
-            <a:r>
-              <a:rPr lang="zh-CN" altLang="en-US" sz="2400"/>
-              <a:t>进⾏访问。请求头格式如下：</a:t>
+              <a:rPr lang="zh-CN" altLang="en-US" sz="2400" dirty="0">
+                <a:latin typeface="+mn-ea"/>
+              </a:rPr>
+              <a:t>需求</a:t>
             </a:r>
             <a:endParaRPr lang="en-US" altLang="zh-CN" sz="2400" dirty="0">
               <a:latin typeface="+mn-ea"/>
             </a:endParaRPr>
           </a:p>
+          <a:p>
+            <a:pPr lvl="1"/>
+            <a:r>
+              <a:rPr lang="en-US" altLang="zh-CN" sz="2200" dirty="0">
+                <a:latin typeface="+mn-ea"/>
+              </a:rPr>
+              <a:t>5.9</a:t>
+            </a:r>
+            <a:r>
+              <a:rPr lang="zh-CN" altLang="en-US" sz="2200" dirty="0">
+                <a:latin typeface="+mn-ea"/>
+              </a:rPr>
+              <a:t>最终版流程图，甲方签字</a:t>
+            </a:r>
+            <a:endParaRPr lang="en-US" altLang="zh-CN" sz="2200" dirty="0">
+              <a:latin typeface="+mn-ea"/>
+            </a:endParaRPr>
+          </a:p>
+          <a:p>
+            <a:r>
+              <a:rPr lang="zh-CN" altLang="en-US" sz="2400" dirty="0">
+                <a:latin typeface="+mn-ea"/>
+              </a:rPr>
+              <a:t>技术</a:t>
+            </a:r>
+            <a:endParaRPr lang="en-US" altLang="zh-CN" sz="2400" dirty="0">
+              <a:latin typeface="+mn-ea"/>
+            </a:endParaRPr>
+          </a:p>
+          <a:p>
+            <a:pPr lvl="1"/>
+            <a:r>
+              <a:rPr lang="zh-CN" altLang="en-US" sz="2200" dirty="0">
+                <a:latin typeface="+mn-ea"/>
+              </a:rPr>
+              <a:t>编写相关接口</a:t>
+            </a:r>
+            <a:endParaRPr lang="en-US" altLang="zh-CN" sz="2200" dirty="0">
+              <a:latin typeface="+mn-ea"/>
+            </a:endParaRPr>
+          </a:p>
+          <a:p>
+            <a:pPr lvl="2"/>
+            <a:r>
+              <a:rPr lang="zh-CN" altLang="en-US" sz="2000" dirty="0">
+                <a:latin typeface="+mn-ea"/>
+              </a:rPr>
+              <a:t>样品</a:t>
+            </a:r>
+            <a:endParaRPr lang="en-US" altLang="zh-CN" sz="2000" dirty="0">
+              <a:latin typeface="+mn-ea"/>
+            </a:endParaRPr>
+          </a:p>
+          <a:p>
+            <a:pPr lvl="2"/>
+            <a:r>
+              <a:rPr lang="zh-CN" altLang="en-US" sz="2000" dirty="0">
+                <a:latin typeface="+mn-ea"/>
+              </a:rPr>
+              <a:t>测试方案</a:t>
+            </a:r>
+            <a:endParaRPr lang="en-US" altLang="zh-CN" sz="2000" dirty="0">
+              <a:latin typeface="+mn-ea"/>
+            </a:endParaRPr>
+          </a:p>
+          <a:p>
+            <a:pPr lvl="2"/>
+            <a:r>
+              <a:rPr lang="zh-CN" altLang="en-US" sz="2000" dirty="0">
+                <a:latin typeface="+mn-ea"/>
+              </a:rPr>
+              <a:t>测试报告</a:t>
+            </a:r>
+            <a:endParaRPr lang="en-US" altLang="zh-CN" sz="2000" dirty="0">
+              <a:latin typeface="+mn-ea"/>
+            </a:endParaRPr>
+          </a:p>
+          <a:p>
+            <a:pPr lvl="1"/>
+            <a:r>
+              <a:rPr lang="zh-CN" altLang="en-US" sz="2200" dirty="0">
+                <a:latin typeface="+mn-ea"/>
+              </a:rPr>
+              <a:t>按流程图对委托、合同、样品接口测试</a:t>
+            </a:r>
+            <a:endParaRPr lang="en-US" altLang="zh-CN" sz="2200" dirty="0">
+              <a:latin typeface="+mn-ea"/>
+            </a:endParaRPr>
+          </a:p>
+          <a:p>
+            <a:pPr lvl="1"/>
+            <a:r>
+              <a:rPr lang="en-US" altLang="zh-CN" sz="2200" dirty="0">
+                <a:latin typeface="+mn-ea"/>
+              </a:rPr>
+              <a:t>Jenkins</a:t>
+            </a:r>
+            <a:r>
+              <a:rPr lang="zh-CN" altLang="en-US" sz="2200" dirty="0">
+                <a:latin typeface="+mn-ea"/>
+              </a:rPr>
+              <a:t>进行持续的软件版本发布</a:t>
+            </a:r>
+            <a:endParaRPr lang="en-US" altLang="zh-CN" sz="2200" dirty="0">
+              <a:latin typeface="+mn-ea"/>
+            </a:endParaRPr>
+          </a:p>
         </p:txBody>
       </p:sp>
-      <p:pic>
-        <p:nvPicPr>
-          <p:cNvPr id="6" name="图片 5">
-            <a:extLst>
-              <a:ext uri="{FF2B5EF4-FFF2-40B4-BE49-F238E27FC236}">
-                <a16:creationId xmlns:a16="http://schemas.microsoft.com/office/drawing/2014/main" id="{3014C548-497D-CD79-201A-68EB30D56B1D}"/>
-              </a:ext>
-            </a:extLst>
-          </p:cNvPr>
-          <p:cNvPicPr>
-            <a:picLocks noChangeAspect="1"/>
-          </p:cNvPicPr>
-          <p:nvPr/>
-        </p:nvPicPr>
-        <p:blipFill>
-          <a:blip r:embed="rId3"/>
-          <a:stretch>
-            <a:fillRect/>
-          </a:stretch>
-        </p:blipFill>
-        <p:spPr>
-          <a:xfrm>
-            <a:off x="1686932" y="2801665"/>
-            <a:ext cx="7620660" cy="3787468"/>
-          </a:xfrm>
-          <a:prstGeom prst="rect">
-            <a:avLst/>
-          </a:prstGeom>
-        </p:spPr>
-      </p:pic>
     </p:spTree>
     <p:custDataLst>
       <p:tags r:id="rId1"/>
@@ -8572,12 +8388,6 @@
 </file>
 
 <file path=ppt/tags/tag18.xml><?xml version="1.0" encoding="utf-8"?>
-<p:tagLst xmlns:a="http://schemas.openxmlformats.org/drawingml/2006/main" xmlns:r="http://schemas.openxmlformats.org/officeDocument/2006/relationships" xmlns:p="http://schemas.openxmlformats.org/presentationml/2006/main">
-  <p:tag name="ISLIDE.THEME" val="https://www.islide.cc;"/>
-</p:tagLst>
-</file>
-
-<file path=ppt/tags/tag19.xml><?xml version="1.0" encoding="utf-8"?>
 <p:tagLst xmlns:a="http://schemas.openxmlformats.org/drawingml/2006/main" xmlns:r="http://schemas.openxmlformats.org/officeDocument/2006/relationships" xmlns:p="http://schemas.openxmlformats.org/presentationml/2006/main">
   <p:tag name="ISLIDE.THEME" val="https://www.islide.cc;"/>
 </p:tagLst>
